--- a/Slides/Struct&Union.pptx
+++ b/Slides/Struct&Union.pptx
@@ -22,15 +22,31 @@
     <p:sldId id="273" r:id="rId17"/>
     <p:sldId id="274" r:id="rId18"/>
     <p:sldId id="278" r:id="rId19"/>
-    <p:sldId id="277" r:id="rId20"/>
-    <p:sldId id="276" r:id="rId21"/>
-    <p:sldId id="279" r:id="rId22"/>
-    <p:sldId id="282" r:id="rId23"/>
-    <p:sldId id="280" r:id="rId24"/>
-    <p:sldId id="261" r:id="rId25"/>
-    <p:sldId id="283" r:id="rId26"/>
-    <p:sldId id="284" r:id="rId27"/>
-    <p:sldId id="285" r:id="rId28"/>
+    <p:sldId id="309" r:id="rId20"/>
+    <p:sldId id="277" r:id="rId21"/>
+    <p:sldId id="276" r:id="rId22"/>
+    <p:sldId id="279" r:id="rId23"/>
+    <p:sldId id="282" r:id="rId24"/>
+    <p:sldId id="280" r:id="rId25"/>
+    <p:sldId id="261" r:id="rId26"/>
+    <p:sldId id="283" r:id="rId27"/>
+    <p:sldId id="284" r:id="rId28"/>
+    <p:sldId id="285" r:id="rId29"/>
+    <p:sldId id="292" r:id="rId30"/>
+    <p:sldId id="293" r:id="rId31"/>
+    <p:sldId id="294" r:id="rId32"/>
+    <p:sldId id="295" r:id="rId33"/>
+    <p:sldId id="296" r:id="rId34"/>
+    <p:sldId id="297" r:id="rId35"/>
+    <p:sldId id="298" r:id="rId36"/>
+    <p:sldId id="299" r:id="rId37"/>
+    <p:sldId id="300" r:id="rId38"/>
+    <p:sldId id="302" r:id="rId39"/>
+    <p:sldId id="301" r:id="rId40"/>
+    <p:sldId id="303" r:id="rId41"/>
+    <p:sldId id="306" r:id="rId42"/>
+    <p:sldId id="304" r:id="rId43"/>
+    <p:sldId id="305" r:id="rId44"/>
   </p:sldIdLst>
   <p:sldSz cx="9144000" cy="6858000" type="screen4x3"/>
   <p:notesSz cx="6858000" cy="9144000"/>
@@ -4691,11 +4707,7 @@
         <p:txBody>
           <a:bodyPr/>
           <a:p>
-            <a:r>
-              <a:rPr lang="en-US" altLang="en-US" sz="2800"/>
-              <a:t>typedef for Structures</a:t>
-            </a:r>
-            <a:endParaRPr lang="en-US" altLang="en-US" sz="2800"/>
+            <a:endParaRPr lang="en-US"/>
           </a:p>
         </p:txBody>
       </p:sp>
@@ -4717,8 +4729,8 @@
         </p:blipFill>
         <p:spPr>
           <a:xfrm>
-            <a:off x="801370" y="791210"/>
-            <a:ext cx="7771765" cy="5894705"/>
+            <a:off x="35560" y="-22860"/>
+            <a:ext cx="9172575" cy="5347335"/>
           </a:xfrm>
           <a:prstGeom prst="rect">
             <a:avLst/>
@@ -4743,28 +4755,6 @@
         <p:nvPr/>
       </p:nvGrpSpPr>
       <p:grpSpPr/>
-      <p:sp>
-        <p:nvSpPr>
-          <p:cNvPr id="2" name="Title 1"/>
-          <p:cNvSpPr>
-            <a:spLocks noGrp="1"/>
-          </p:cNvSpPr>
-          <p:nvPr>
-            <p:ph type="title"/>
-          </p:nvPr>
-        </p:nvSpPr>
-        <p:spPr/>
-        <p:txBody>
-          <a:bodyPr/>
-          <a:p>
-            <a:r>
-              <a:rPr lang="en-US" altLang="en-US"/>
-              <a:t>Passing Structure to Functions</a:t>
-            </a:r>
-            <a:endParaRPr lang="en-US" altLang="en-US"/>
-          </a:p>
-        </p:txBody>
-      </p:sp>
       <p:pic>
         <p:nvPicPr>
           <p:cNvPr id="4" name="Content Placeholder 3"/>
@@ -4783,14 +4773,134 @@
         </p:blipFill>
         <p:spPr>
           <a:xfrm>
-            <a:off x="1676400" y="762000"/>
-            <a:ext cx="5682615" cy="6075045"/>
+            <a:off x="76200" y="0"/>
+            <a:ext cx="8764270" cy="6647815"/>
           </a:xfrm>
           <a:prstGeom prst="rect">
             <a:avLst/>
           </a:prstGeom>
         </p:spPr>
       </p:pic>
+      <p:sp>
+        <p:nvSpPr>
+          <p:cNvPr id="2" name="Title 1"/>
+          <p:cNvSpPr>
+            <a:spLocks noGrp="1"/>
+          </p:cNvSpPr>
+          <p:nvPr>
+            <p:ph type="title"/>
+          </p:nvPr>
+        </p:nvSpPr>
+        <p:spPr>
+          <a:xfrm>
+            <a:off x="236220" y="2071370"/>
+            <a:ext cx="7453630" cy="1232535"/>
+          </a:xfrm>
+          <a:solidFill>
+            <a:schemeClr val="bg1"/>
+          </a:solidFill>
+        </p:spPr>
+        <p:txBody>
+          <a:bodyPr/>
+          <a:p>
+            <a:r>
+              <a:rPr lang="en-US" altLang="en-US" sz="2000" b="1">
+                <a:solidFill>
+                  <a:srgbClr val="00B050"/>
+                </a:solidFill>
+                <a:latin typeface="Cascadia Code" panose="020B0609020000020004" charset="0"/>
+                <a:cs typeface="Cascadia Code" panose="020B0609020000020004" charset="0"/>
+              </a:rPr>
+              <a:t>struct</a:t>
+            </a:r>
+            <a:r>
+              <a:rPr lang="en-US" altLang="en-US" sz="2000">
+                <a:gradFill>
+                  <a:gsLst>
+                    <a:gs pos="0">
+                      <a:srgbClr val="14CD68"/>
+                    </a:gs>
+                    <a:gs pos="100000">
+                      <a:srgbClr val="035C7D"/>
+                    </a:gs>
+                  </a:gsLst>
+                  <a:lin scaled="0"/>
+                </a:gradFill>
+                <a:latin typeface="Cascadia Code" panose="020B0609020000020004" charset="0"/>
+                <a:cs typeface="Cascadia Code" panose="020B0609020000020004" charset="0"/>
+              </a:rPr>
+              <a:t> </a:t>
+            </a:r>
+            <a:r>
+              <a:rPr lang="en-US" altLang="en-US" sz="2000">
+                <a:latin typeface="Cascadia Code" panose="020B0609020000020004" charset="0"/>
+                <a:cs typeface="Cascadia Code" panose="020B0609020000020004" charset="0"/>
+              </a:rPr>
+              <a:t>st_name {</a:t>
+            </a:r>
+            <a:br>
+              <a:rPr lang="en-US" altLang="en-US" sz="2000">
+                <a:latin typeface="Cascadia Code" panose="020B0609020000020004" charset="0"/>
+                <a:cs typeface="Cascadia Code" panose="020B0609020000020004" charset="0"/>
+              </a:rPr>
+            </a:br>
+            <a:r>
+              <a:rPr lang="en-US" altLang="en-US" sz="2000">
+                <a:latin typeface="Cascadia Code" panose="020B0609020000020004" charset="0"/>
+                <a:cs typeface="Cascadia Code" panose="020B0609020000020004" charset="0"/>
+              </a:rPr>
+              <a:t>       </a:t>
+            </a:r>
+            <a:r>
+              <a:rPr lang="en-US" altLang="en-US" sz="2000">
+                <a:solidFill>
+                  <a:srgbClr val="FF0000"/>
+                </a:solidFill>
+                <a:latin typeface="Cascadia Code" panose="020B0609020000020004" charset="0"/>
+                <a:cs typeface="Cascadia Code" panose="020B0609020000020004" charset="0"/>
+              </a:rPr>
+              <a:t>int</a:t>
+            </a:r>
+            <a:r>
+              <a:rPr lang="en-US" altLang="en-US" sz="2000">
+                <a:latin typeface="Cascadia Code" panose="020B0609020000020004" charset="0"/>
+                <a:cs typeface="Cascadia Code" panose="020B0609020000020004" charset="0"/>
+              </a:rPr>
+              <a:t> x;</a:t>
+            </a:r>
+            <a:br>
+              <a:rPr lang="en-US" altLang="en-US" sz="2000">
+                <a:latin typeface="Cascadia Code" panose="020B0609020000020004" charset="0"/>
+                <a:cs typeface="Cascadia Code" panose="020B0609020000020004" charset="0"/>
+              </a:rPr>
+            </a:br>
+            <a:r>
+              <a:rPr lang="en-US" altLang="en-US" sz="2000">
+                <a:latin typeface="Cascadia Code" panose="020B0609020000020004" charset="0"/>
+                <a:cs typeface="Cascadia Code" panose="020B0609020000020004" charset="0"/>
+              </a:rPr>
+              <a:t>};</a:t>
+            </a:r>
+            <a:br>
+              <a:rPr lang="en-US" altLang="en-US" sz="2000">
+                <a:latin typeface="Cascadia Code" panose="020B0609020000020004" charset="0"/>
+                <a:cs typeface="Cascadia Code" panose="020B0609020000020004" charset="0"/>
+              </a:rPr>
+            </a:br>
+            <a:r>
+              <a:rPr lang="en-US" altLang="en-US" sz="2000">
+                <a:latin typeface="Cascadia Code" panose="020B0609020000020004" charset="0"/>
+                <a:cs typeface="Cascadia Code" panose="020B0609020000020004" charset="0"/>
+              </a:rPr>
+              <a:t>typedef st_name str2;</a:t>
+            </a:r>
+            <a:endParaRPr lang="en-US" altLang="en-US" sz="2000">
+              <a:latin typeface="Cascadia Code" panose="020B0609020000020004" charset="0"/>
+              <a:cs typeface="Cascadia Code" panose="020B0609020000020004" charset="0"/>
+            </a:endParaRPr>
+          </a:p>
+        </p:txBody>
+      </p:sp>
     </p:spTree>
   </p:cSld>
   <p:clrMapOvr>
@@ -4867,6 +4977,32 @@
         <p:nvPr/>
       </p:nvGrpSpPr>
       <p:grpSpPr/>
+      <p:pic>
+        <p:nvPicPr>
+          <p:cNvPr id="4" name="Content Placeholder 3"/>
+          <p:cNvPicPr>
+            <a:picLocks noChangeAspect="1"/>
+          </p:cNvPicPr>
+          <p:nvPr>
+            <p:ph idx="1"/>
+          </p:nvPr>
+        </p:nvPicPr>
+        <p:blipFill>
+          <a:blip r:embed="rId1"/>
+          <a:stretch>
+            <a:fillRect/>
+          </a:stretch>
+        </p:blipFill>
+        <p:spPr>
+          <a:xfrm>
+            <a:off x="1066800" y="-27940"/>
+            <a:ext cx="6350000" cy="6788785"/>
+          </a:xfrm>
+          <a:prstGeom prst="rect">
+            <a:avLst/>
+          </a:prstGeom>
+        </p:spPr>
+      </p:pic>
       <p:sp>
         <p:nvSpPr>
           <p:cNvPr id="2" name="Title 1"/>
@@ -4877,68 +5013,44 @@
             <p:ph type="title"/>
           </p:nvPr>
         </p:nvSpPr>
-        <p:spPr/>
-        <p:txBody>
-          <a:bodyPr/>
-          <a:p>
-            <a:r>
-              <a:rPr lang="en-US" altLang="en-US"/>
-              <a:t>Nested Structures</a:t>
-            </a:r>
-            <a:endParaRPr lang="en-US" altLang="en-US"/>
-          </a:p>
-        </p:txBody>
-      </p:sp>
-      <p:sp>
-        <p:nvSpPr>
-          <p:cNvPr id="3" name="Content Placeholder 2"/>
-          <p:cNvSpPr>
-            <a:spLocks noGrp="1"/>
-          </p:cNvSpPr>
-          <p:nvPr>
-            <p:ph idx="1"/>
-          </p:nvPr>
-        </p:nvSpPr>
-        <p:spPr/>
-        <p:txBody>
-          <a:bodyPr/>
-          <a:p>
-            <a:r>
-              <a:rPr lang="en-US" altLang="en-US" sz="2400"/>
-              <a:t>Nested structure refers to a structure that contains another structure as one of its members.</a:t>
-            </a:r>
-            <a:endParaRPr lang="en-US" altLang="en-US" sz="2400"/>
-          </a:p>
-          <a:p>
-            <a:r>
-              <a:rPr lang="en-US" altLang="en-US" sz="2400"/>
-              <a:t>Two ways:</a:t>
-            </a:r>
-            <a:endParaRPr lang="en-US" altLang="en-US" sz="2400"/>
-          </a:p>
-          <a:p>
-            <a:pPr lvl="1"/>
-            <a:r>
-              <a:rPr lang="en-US" altLang="en-US" sz="2100" b="1"/>
-              <a:t>Embedded Structure Nesting: </a:t>
-            </a:r>
-            <a:r>
-              <a:rPr lang="en-US" altLang="en-US" sz="2100"/>
-              <a:t>The structure being nested is also declared inside the parent structure.</a:t>
-            </a:r>
-            <a:endParaRPr lang="en-US" altLang="en-US" sz="2100"/>
-          </a:p>
-          <a:p>
-            <a:pPr lvl="1"/>
-            <a:r>
-              <a:rPr lang="en-US" altLang="en-US" sz="2100" b="1"/>
-              <a:t>Separate Structure Nesting: </a:t>
-            </a:r>
-            <a:r>
-              <a:rPr lang="en-US" altLang="en-US" sz="2100"/>
-              <a:t>Two structures are declared separately and then the member structure is nested inside the parent structure.</a:t>
-            </a:r>
-            <a:endParaRPr lang="en-US" altLang="en-US" sz="2100"/>
+        <p:spPr>
+          <a:xfrm>
+            <a:off x="4114800" y="76200"/>
+            <a:ext cx="8229600" cy="582613"/>
+          </a:xfrm>
+        </p:spPr>
+        <p:txBody>
+          <a:bodyPr/>
+          <a:p>
+            <a:r>
+              <a:rPr lang="en-US" altLang="en-US" sz="2800">
+                <a:gradFill>
+                  <a:gsLst>
+                    <a:gs pos="0">
+                      <a:srgbClr val="7B32B2"/>
+                    </a:gs>
+                    <a:gs pos="100000">
+                      <a:srgbClr val="401A5D"/>
+                    </a:gs>
+                  </a:gsLst>
+                  <a:lin scaled="0"/>
+                </a:gradFill>
+              </a:rPr>
+              <a:t>Passing Structure to Functions</a:t>
+            </a:r>
+            <a:endParaRPr lang="en-US" altLang="en-US" sz="2800">
+              <a:gradFill>
+                <a:gsLst>
+                  <a:gs pos="0">
+                    <a:srgbClr val="7B32B2"/>
+                  </a:gs>
+                  <a:gs pos="100000">
+                    <a:srgbClr val="401A5D"/>
+                  </a:gs>
+                </a:gsLst>
+                <a:lin scaled="0"/>
+              </a:gradFill>
+            </a:endParaRPr>
           </a:p>
         </p:txBody>
       </p:sp>
@@ -4951,6 +5063,99 @@
 </file>
 
 <file path=ppt/slides/slide21.xml><?xml version="1.0" encoding="utf-8"?>
+<p:sld xmlns:a="http://schemas.openxmlformats.org/drawingml/2006/main" xmlns:r="http://schemas.openxmlformats.org/officeDocument/2006/relationships" xmlns:p="http://schemas.openxmlformats.org/presentationml/2006/main">
+  <p:cSld>
+    <p:spTree>
+      <p:nvGrpSpPr>
+        <p:cNvPr id="1" name=""/>
+        <p:cNvGrpSpPr/>
+        <p:nvPr/>
+      </p:nvGrpSpPr>
+      <p:grpSpPr/>
+      <p:sp>
+        <p:nvSpPr>
+          <p:cNvPr id="2" name="Title 1"/>
+          <p:cNvSpPr>
+            <a:spLocks noGrp="1"/>
+          </p:cNvSpPr>
+          <p:nvPr>
+            <p:ph type="title"/>
+          </p:nvPr>
+        </p:nvSpPr>
+        <p:spPr/>
+        <p:txBody>
+          <a:bodyPr/>
+          <a:p>
+            <a:r>
+              <a:rPr lang="en-US" altLang="en-US"/>
+              <a:t>Nested Structures</a:t>
+            </a:r>
+            <a:endParaRPr lang="en-US" altLang="en-US"/>
+          </a:p>
+        </p:txBody>
+      </p:sp>
+      <p:sp>
+        <p:nvSpPr>
+          <p:cNvPr id="3" name="Content Placeholder 2"/>
+          <p:cNvSpPr>
+            <a:spLocks noGrp="1"/>
+          </p:cNvSpPr>
+          <p:nvPr>
+            <p:ph idx="1"/>
+          </p:nvPr>
+        </p:nvSpPr>
+        <p:spPr/>
+        <p:txBody>
+          <a:bodyPr/>
+          <a:p>
+            <a:r>
+              <a:rPr lang="en-US" altLang="en-US" sz="2400"/>
+              <a:t>Nested structure refers to a structure that contains another structure as one of its members.</a:t>
+            </a:r>
+            <a:endParaRPr lang="en-US" altLang="en-US" sz="2400"/>
+          </a:p>
+          <a:p>
+            <a:r>
+              <a:rPr lang="en-US" altLang="en-US" sz="2400"/>
+              <a:t>Two ways:</a:t>
+            </a:r>
+            <a:endParaRPr lang="en-US" altLang="en-US" sz="2400"/>
+          </a:p>
+          <a:p>
+            <a:pPr lvl="1"/>
+            <a:r>
+              <a:rPr lang="en-US" altLang="en-US" sz="2100" b="1"/>
+              <a:t>Embedded Structure Nesting: </a:t>
+            </a:r>
+            <a:r>
+              <a:rPr lang="en-US" altLang="en-US" sz="2100"/>
+              <a:t>The structure being nested is also declared inside the parent structure.</a:t>
+            </a:r>
+            <a:endParaRPr lang="en-US" altLang="en-US" sz="2100"/>
+          </a:p>
+          <a:p>
+            <a:pPr lvl="1"/>
+            <a:r>
+              <a:rPr lang="en-US" altLang="en-US" sz="2100" b="1"/>
+              <a:t>Separate Structure Nesting: </a:t>
+            </a:r>
+            <a:r>
+              <a:rPr lang="en-US" altLang="en-US" sz="2100"/>
+              <a:t>Two structures are declared separately and then the member structure is nested inside the parent structure.</a:t>
+            </a:r>
+            <a:endParaRPr lang="en-US" altLang="en-US" sz="2100"/>
+          </a:p>
+        </p:txBody>
+      </p:sp>
+    </p:spTree>
+  </p:cSld>
+  <p:clrMapOvr>
+    <a:masterClrMapping/>
+  </p:clrMapOvr>
+</p:sld>
+</file>
+
+<file path=ppt/slides/slide22.xml><?xml version="1.0" encoding="utf-8"?>
 <p:sld xmlns:a="http://schemas.openxmlformats.org/drawingml/2006/main" xmlns:r="http://schemas.openxmlformats.org/officeDocument/2006/relationships" xmlns:p="http://schemas.openxmlformats.org/presentationml/2006/main">
   <p:cSld>
     <p:spTree>
@@ -5036,7 +5241,7 @@
 </p:sld>
 </file>
 
-<file path=ppt/slides/slide22.xml><?xml version="1.0" encoding="utf-8"?>
+<file path=ppt/slides/slide23.xml><?xml version="1.0" encoding="utf-8"?>
 <p:sld xmlns:a="http://schemas.openxmlformats.org/drawingml/2006/main" xmlns:r="http://schemas.openxmlformats.org/officeDocument/2006/relationships" xmlns:p="http://schemas.openxmlformats.org/presentationml/2006/main">
   <p:cSld>
     <p:spTree>
@@ -5126,7 +5331,7 @@
 </p:sld>
 </file>
 
-<file path=ppt/slides/slide23.xml><?xml version="1.0" encoding="utf-8"?>
+<file path=ppt/slides/slide24.xml><?xml version="1.0" encoding="utf-8"?>
 <p:sld xmlns:a="http://schemas.openxmlformats.org/drawingml/2006/main" xmlns:r="http://schemas.openxmlformats.org/officeDocument/2006/relationships" xmlns:p="http://schemas.openxmlformats.org/presentationml/2006/main">
   <p:cSld>
     <p:spTree>
@@ -5183,7 +5388,7 @@
         </p:nvSpPr>
         <p:spPr>
           <a:xfrm>
-            <a:off x="467544" y="1052736"/>
+            <a:off x="467544" y="747936"/>
             <a:ext cx="8229600" cy="5688632"/>
           </a:xfrm>
         </p:spPr>
@@ -5194,26 +5399,26 @@
           <a:lstStyle/>
           <a:p>
             <a:r>
-              <a:rPr lang="en-IN" sz="2400" dirty="0" smtClean="0">
+              <a:rPr lang="en-IN" sz="2000" dirty="0" smtClean="0">
                 <a:latin typeface="Times New Roman" panose="02020603050405020304" pitchFamily="18" charset="0"/>
                 <a:cs typeface="Times New Roman" panose="02020603050405020304" pitchFamily="18" charset="0"/>
               </a:rPr>
               <a:t>It is similar to structure data type .</a:t>
             </a:r>
-            <a:endParaRPr lang="en-IN" sz="2400" dirty="0" smtClean="0">
+            <a:endParaRPr lang="en-IN" sz="2000" dirty="0" smtClean="0">
               <a:latin typeface="Times New Roman" panose="02020603050405020304" pitchFamily="18" charset="0"/>
               <a:cs typeface="Times New Roman" panose="02020603050405020304" pitchFamily="18" charset="0"/>
             </a:endParaRPr>
           </a:p>
           <a:p>
             <a:r>
-              <a:rPr lang="en-IN" sz="2400" dirty="0" smtClean="0">
+              <a:rPr lang="en-IN" sz="2000" dirty="0" smtClean="0">
                 <a:latin typeface="Times New Roman" panose="02020603050405020304" pitchFamily="18" charset="0"/>
                 <a:cs typeface="Times New Roman" panose="02020603050405020304" pitchFamily="18" charset="0"/>
               </a:rPr>
               <a:t>Difference between structure and union is that in structure every data member has its own storage where members of union shares same memory locations.</a:t>
             </a:r>
-            <a:endParaRPr lang="en-IN" sz="2400" dirty="0" smtClean="0">
+            <a:endParaRPr lang="en-IN" sz="2000" dirty="0" smtClean="0">
               <a:latin typeface="Times New Roman" panose="02020603050405020304" pitchFamily="18" charset="0"/>
               <a:cs typeface="Times New Roman" panose="02020603050405020304" pitchFamily="18" charset="0"/>
             </a:endParaRPr>
@@ -5224,53 +5429,53 @@
               <a:buChar char="•"/>
             </a:pPr>
             <a:r>
-              <a:rPr lang="en-IN" sz="2400" dirty="0">
+              <a:rPr lang="en-IN" sz="2000" dirty="0">
                 <a:latin typeface="Times New Roman" panose="02020603050405020304" pitchFamily="18" charset="0"/>
                 <a:cs typeface="Times New Roman" panose="02020603050405020304" pitchFamily="18" charset="0"/>
               </a:rPr>
               <a:t>Elements of </a:t>
             </a:r>
             <a:r>
-              <a:rPr lang="en-US" altLang="en-IN" sz="2400" dirty="0">
+              <a:rPr lang="en-US" altLang="en-IN" sz="2000" dirty="0">
                 <a:latin typeface="Times New Roman" panose="02020603050405020304" pitchFamily="18" charset="0"/>
                 <a:cs typeface="Times New Roman" panose="02020603050405020304" pitchFamily="18" charset="0"/>
               </a:rPr>
               <a:t>union</a:t>
             </a:r>
             <a:r>
-              <a:rPr lang="en-IN" sz="2400" dirty="0">
+              <a:rPr lang="en-IN" sz="2000" dirty="0">
                 <a:latin typeface="Times New Roman" panose="02020603050405020304" pitchFamily="18" charset="0"/>
                 <a:cs typeface="Times New Roman" panose="02020603050405020304" pitchFamily="18" charset="0"/>
               </a:rPr>
               <a:t> can be accessed using dot(.) operator</a:t>
             </a:r>
-            <a:endParaRPr lang="en-IN" sz="2400" dirty="0">
+            <a:endParaRPr lang="en-US" altLang="en-IN" sz="2000" dirty="0" smtClean="0">
               <a:latin typeface="Times New Roman" panose="02020603050405020304" pitchFamily="18" charset="0"/>
               <a:cs typeface="Times New Roman" panose="02020603050405020304" pitchFamily="18" charset="0"/>
             </a:endParaRPr>
           </a:p>
           <a:p>
             <a:r>
-              <a:rPr lang="en-IN" sz="2400" dirty="0" smtClean="0">
+              <a:rPr lang="en-US" altLang="en-IN" sz="2000" dirty="0" smtClean="0">
                 <a:latin typeface="Times New Roman" panose="02020603050405020304" pitchFamily="18" charset="0"/>
                 <a:cs typeface="Times New Roman" panose="02020603050405020304" pitchFamily="18" charset="0"/>
               </a:rPr>
-              <a:t>Storage for below union is 4bytes</a:t>
-            </a:r>
-            <a:endParaRPr lang="en-IN" sz="2400" dirty="0" smtClean="0">
+              <a:t>Total memory allocated is equivalent to the size of the largest member.</a:t>
+            </a:r>
+            <a:endParaRPr lang="en-IN" sz="2000" dirty="0" smtClean="0">
               <a:latin typeface="Times New Roman" panose="02020603050405020304" pitchFamily="18" charset="0"/>
               <a:cs typeface="Times New Roman" panose="02020603050405020304" pitchFamily="18" charset="0"/>
             </a:endParaRPr>
           </a:p>
           <a:p>
             <a:r>
-              <a:rPr lang="en-IN" sz="2400" dirty="0" err="1" smtClean="0">
+              <a:rPr lang="en-IN" sz="2000" dirty="0" err="1" smtClean="0">
                 <a:latin typeface="Times New Roman" panose="02020603050405020304" pitchFamily="18" charset="0"/>
                 <a:cs typeface="Times New Roman" panose="02020603050405020304" pitchFamily="18" charset="0"/>
               </a:rPr>
               <a:t>E.g</a:t>
             </a:r>
-            <a:endParaRPr lang="en-IN" sz="2400" dirty="0" smtClean="0">
+            <a:endParaRPr lang="en-IN" sz="2000" dirty="0" smtClean="0">
               <a:latin typeface="Times New Roman" panose="02020603050405020304" pitchFamily="18" charset="0"/>
               <a:cs typeface="Times New Roman" panose="02020603050405020304" pitchFamily="18" charset="0"/>
             </a:endParaRPr>
@@ -5280,20 +5485,20 @@
               <a:buNone/>
             </a:pPr>
             <a:r>
-              <a:rPr lang="en-IN" sz="2400" dirty="0">
+              <a:rPr lang="en-IN" sz="2000" dirty="0">
                 <a:latin typeface="Times New Roman" panose="02020603050405020304" pitchFamily="18" charset="0"/>
                 <a:cs typeface="Times New Roman" panose="02020603050405020304" pitchFamily="18" charset="0"/>
               </a:rPr>
               <a:t> </a:t>
             </a:r>
             <a:r>
-              <a:rPr lang="en-IN" sz="2400" dirty="0" smtClean="0">
+              <a:rPr lang="en-IN" sz="2000" dirty="0" smtClean="0">
                 <a:latin typeface="Times New Roman" panose="02020603050405020304" pitchFamily="18" charset="0"/>
                 <a:cs typeface="Times New Roman" panose="02020603050405020304" pitchFamily="18" charset="0"/>
               </a:rPr>
               <a:t>      union item</a:t>
             </a:r>
-            <a:endParaRPr lang="en-IN" sz="2400" dirty="0" smtClean="0">
+            <a:endParaRPr lang="en-IN" sz="2000" dirty="0" smtClean="0">
               <a:latin typeface="Times New Roman" panose="02020603050405020304" pitchFamily="18" charset="0"/>
               <a:cs typeface="Times New Roman" panose="02020603050405020304" pitchFamily="18" charset="0"/>
             </a:endParaRPr>
@@ -5303,20 +5508,20 @@
               <a:buNone/>
             </a:pPr>
             <a:r>
-              <a:rPr lang="en-IN" sz="2400" dirty="0">
+              <a:rPr lang="en-IN" sz="2000" dirty="0">
                 <a:latin typeface="Times New Roman" panose="02020603050405020304" pitchFamily="18" charset="0"/>
                 <a:cs typeface="Times New Roman" panose="02020603050405020304" pitchFamily="18" charset="0"/>
               </a:rPr>
               <a:t> </a:t>
             </a:r>
             <a:r>
-              <a:rPr lang="en-IN" sz="2400" dirty="0" smtClean="0">
+              <a:rPr lang="en-IN" sz="2000" dirty="0" smtClean="0">
                 <a:latin typeface="Times New Roman" panose="02020603050405020304" pitchFamily="18" charset="0"/>
                 <a:cs typeface="Times New Roman" panose="02020603050405020304" pitchFamily="18" charset="0"/>
               </a:rPr>
               <a:t>      {</a:t>
             </a:r>
-            <a:endParaRPr lang="en-IN" sz="2400" dirty="0" smtClean="0">
+            <a:endParaRPr lang="en-IN" sz="2000" dirty="0" smtClean="0">
               <a:latin typeface="Times New Roman" panose="02020603050405020304" pitchFamily="18" charset="0"/>
               <a:cs typeface="Times New Roman" panose="02020603050405020304" pitchFamily="18" charset="0"/>
             </a:endParaRPr>
@@ -5326,20 +5531,55 @@
               <a:buNone/>
             </a:pPr>
             <a:r>
-              <a:rPr lang="en-IN" sz="2400" dirty="0">
+              <a:rPr lang="en-IN" sz="2000" dirty="0">
                 <a:latin typeface="Times New Roman" panose="02020603050405020304" pitchFamily="18" charset="0"/>
                 <a:cs typeface="Times New Roman" panose="02020603050405020304" pitchFamily="18" charset="0"/>
               </a:rPr>
               <a:t> </a:t>
             </a:r>
             <a:r>
-              <a:rPr lang="en-IN" sz="2400" dirty="0" smtClean="0">
+              <a:rPr lang="en-IN" sz="2000" dirty="0" smtClean="0">
                 <a:latin typeface="Times New Roman" panose="02020603050405020304" pitchFamily="18" charset="0"/>
                 <a:cs typeface="Times New Roman" panose="02020603050405020304" pitchFamily="18" charset="0"/>
               </a:rPr>
-              <a:t>          int m;    //2byte</a:t>
-            </a:r>
-            <a:endParaRPr lang="en-IN" sz="2400" dirty="0" smtClean="0">
+              <a:t>          int m</a:t>
+            </a:r>
+            <a:r>
+              <a:rPr lang="en-US" altLang="en-IN" sz="2000" dirty="0" smtClean="0">
+                <a:latin typeface="Times New Roman" panose="02020603050405020304" pitchFamily="18" charset="0"/>
+                <a:cs typeface="Times New Roman" panose="02020603050405020304" pitchFamily="18" charset="0"/>
+              </a:rPr>
+              <a:t>[5]</a:t>
+            </a:r>
+            <a:r>
+              <a:rPr lang="en-IN" sz="2000" dirty="0" smtClean="0">
+                <a:latin typeface="Times New Roman" panose="02020603050405020304" pitchFamily="18" charset="0"/>
+                <a:cs typeface="Times New Roman" panose="02020603050405020304" pitchFamily="18" charset="0"/>
+              </a:rPr>
+              <a:t>;    //</a:t>
+            </a:r>
+            <a:r>
+              <a:rPr lang="en-US" altLang="en-IN" sz="2000" dirty="0" smtClean="0">
+                <a:latin typeface="Times New Roman" panose="02020603050405020304" pitchFamily="18" charset="0"/>
+                <a:cs typeface="Times New Roman" panose="02020603050405020304" pitchFamily="18" charset="0"/>
+              </a:rPr>
+              <a:t>20 </a:t>
+            </a:r>
+            <a:r>
+              <a:rPr lang="en-IN" sz="2000" dirty="0" smtClean="0">
+                <a:latin typeface="Times New Roman" panose="02020603050405020304" pitchFamily="18" charset="0"/>
+                <a:cs typeface="Times New Roman" panose="02020603050405020304" pitchFamily="18" charset="0"/>
+              </a:rPr>
+              <a:t>byte</a:t>
+            </a:r>
+            <a:r>
+              <a:rPr lang="en-US" altLang="en-IN" sz="2000" dirty="0" smtClean="0">
+                <a:latin typeface="Times New Roman" panose="02020603050405020304" pitchFamily="18" charset="0"/>
+                <a:cs typeface="Times New Roman" panose="02020603050405020304" pitchFamily="18" charset="0"/>
+              </a:rPr>
+              <a:t>s</a:t>
+            </a:r>
+            <a:endParaRPr lang="en-IN" sz="2000" dirty="0" smtClean="0">
               <a:latin typeface="Times New Roman" panose="02020603050405020304" pitchFamily="18" charset="0"/>
               <a:cs typeface="Times New Roman" panose="02020603050405020304" pitchFamily="18" charset="0"/>
             </a:endParaRPr>
@@ -5349,20 +5589,27 @@
               <a:buNone/>
             </a:pPr>
             <a:r>
-              <a:rPr lang="en-IN" sz="2400" dirty="0">
+              <a:rPr lang="en-IN" sz="2000" dirty="0">
                 <a:latin typeface="Times New Roman" panose="02020603050405020304" pitchFamily="18" charset="0"/>
                 <a:cs typeface="Times New Roman" panose="02020603050405020304" pitchFamily="18" charset="0"/>
               </a:rPr>
               <a:t> </a:t>
             </a:r>
             <a:r>
-              <a:rPr lang="en-IN" sz="2400" dirty="0" smtClean="0">
+              <a:rPr lang="en-IN" sz="2000" dirty="0" smtClean="0">
                 <a:latin typeface="Times New Roman" panose="02020603050405020304" pitchFamily="18" charset="0"/>
                 <a:cs typeface="Times New Roman" panose="02020603050405020304" pitchFamily="18" charset="0"/>
               </a:rPr>
               <a:t>          float z;  //4 byte</a:t>
             </a:r>
-            <a:endParaRPr lang="en-IN" sz="2400" dirty="0" smtClean="0">
+            <a:r>
+              <a:rPr lang="en-US" altLang="en-IN" sz="2000" dirty="0" smtClean="0">
+                <a:latin typeface="Times New Roman" panose="02020603050405020304" pitchFamily="18" charset="0"/>
+                <a:cs typeface="Times New Roman" panose="02020603050405020304" pitchFamily="18" charset="0"/>
+              </a:rPr>
+              <a:t>s</a:t>
+            </a:r>
+            <a:endParaRPr lang="en-IN" sz="2000" dirty="0" smtClean="0">
               <a:latin typeface="Times New Roman" panose="02020603050405020304" pitchFamily="18" charset="0"/>
               <a:cs typeface="Times New Roman" panose="02020603050405020304" pitchFamily="18" charset="0"/>
             </a:endParaRPr>
@@ -5372,20 +5619,20 @@
               <a:buNone/>
             </a:pPr>
             <a:r>
-              <a:rPr lang="en-IN" sz="2400" dirty="0">
+              <a:rPr lang="en-IN" sz="2000" dirty="0">
                 <a:latin typeface="Times New Roman" panose="02020603050405020304" pitchFamily="18" charset="0"/>
                 <a:cs typeface="Times New Roman" panose="02020603050405020304" pitchFamily="18" charset="0"/>
               </a:rPr>
               <a:t> </a:t>
             </a:r>
             <a:r>
-              <a:rPr lang="en-IN" sz="2400" dirty="0" smtClean="0">
+              <a:rPr lang="en-IN" sz="2000" dirty="0" smtClean="0">
                 <a:latin typeface="Times New Roman" panose="02020603050405020304" pitchFamily="18" charset="0"/>
                 <a:cs typeface="Times New Roman" panose="02020603050405020304" pitchFamily="18" charset="0"/>
               </a:rPr>
               <a:t>          char c;   //1 byte</a:t>
             </a:r>
-            <a:endParaRPr lang="en-IN" sz="2400" dirty="0" smtClean="0">
+            <a:endParaRPr lang="en-IN" sz="2000" dirty="0" smtClean="0">
               <a:latin typeface="Times New Roman" panose="02020603050405020304" pitchFamily="18" charset="0"/>
               <a:cs typeface="Times New Roman" panose="02020603050405020304" pitchFamily="18" charset="0"/>
             </a:endParaRPr>
@@ -5395,20 +5642,20 @@
               <a:buNone/>
             </a:pPr>
             <a:r>
-              <a:rPr lang="en-IN" sz="2400" dirty="0">
+              <a:rPr lang="en-IN" sz="2000" dirty="0">
                 <a:latin typeface="Times New Roman" panose="02020603050405020304" pitchFamily="18" charset="0"/>
                 <a:cs typeface="Times New Roman" panose="02020603050405020304" pitchFamily="18" charset="0"/>
               </a:rPr>
               <a:t> </a:t>
             </a:r>
             <a:r>
-              <a:rPr lang="en-IN" sz="2400" dirty="0" smtClean="0">
+              <a:rPr lang="en-IN" sz="2000" dirty="0" smtClean="0">
                 <a:latin typeface="Times New Roman" panose="02020603050405020304" pitchFamily="18" charset="0"/>
                 <a:cs typeface="Times New Roman" panose="02020603050405020304" pitchFamily="18" charset="0"/>
               </a:rPr>
               <a:t>     }u;</a:t>
             </a:r>
-            <a:endParaRPr lang="en-IN" sz="2400" dirty="0" smtClean="0">
+            <a:endParaRPr lang="en-IN" sz="2000" dirty="0" smtClean="0">
               <a:latin typeface="Times New Roman" panose="02020603050405020304" pitchFamily="18" charset="0"/>
               <a:cs typeface="Times New Roman" panose="02020603050405020304" pitchFamily="18" charset="0"/>
             </a:endParaRPr>
@@ -5418,13 +5665,13 @@
               <a:buNone/>
             </a:pPr>
             <a:r>
-              <a:rPr lang="en-IN" sz="2400" dirty="0" smtClean="0">
+              <a:rPr lang="en-IN" sz="2000" dirty="0" smtClean="0">
                 <a:latin typeface="Times New Roman" panose="02020603050405020304" pitchFamily="18" charset="0"/>
                 <a:cs typeface="Times New Roman" panose="02020603050405020304" pitchFamily="18" charset="0"/>
               </a:rPr>
               <a:t>  </a:t>
             </a:r>
-            <a:endParaRPr lang="en-IN" sz="2400" dirty="0" smtClean="0">
+            <a:endParaRPr lang="en-IN" sz="2000" dirty="0" smtClean="0">
               <a:latin typeface="Times New Roman" panose="02020603050405020304" pitchFamily="18" charset="0"/>
               <a:cs typeface="Times New Roman" panose="02020603050405020304" pitchFamily="18" charset="0"/>
             </a:endParaRPr>
@@ -5434,113 +5681,37 @@
               <a:buNone/>
             </a:pPr>
             <a:r>
-              <a:rPr lang="en-IN" sz="2400" dirty="0">
+              <a:rPr lang="en-IN" sz="2000" dirty="0">
                 <a:latin typeface="Times New Roman" panose="02020603050405020304" pitchFamily="18" charset="0"/>
                 <a:cs typeface="Times New Roman" panose="02020603050405020304" pitchFamily="18" charset="0"/>
               </a:rPr>
               <a:t> </a:t>
             </a:r>
             <a:r>
-              <a:rPr lang="en-IN" sz="2400" dirty="0" smtClean="0">
+              <a:rPr lang="en-IN" sz="2000" dirty="0" smtClean="0">
                 <a:latin typeface="Times New Roman" panose="02020603050405020304" pitchFamily="18" charset="0"/>
                 <a:cs typeface="Times New Roman" panose="02020603050405020304" pitchFamily="18" charset="0"/>
               </a:rPr>
               <a:t>   </a:t>
             </a:r>
             <a:r>
-              <a:rPr lang="en-IN" sz="2400" dirty="0" err="1" smtClean="0">
+              <a:rPr lang="en-IN" sz="2000" dirty="0" err="1" smtClean="0">
                 <a:latin typeface="Times New Roman" panose="02020603050405020304" pitchFamily="18" charset="0"/>
                 <a:cs typeface="Times New Roman" panose="02020603050405020304" pitchFamily="18" charset="0"/>
               </a:rPr>
               <a:t>u.m</a:t>
             </a:r>
             <a:r>
-              <a:rPr lang="en-IN" sz="2400" dirty="0" smtClean="0">
+              <a:rPr lang="en-IN" sz="2000" dirty="0" smtClean="0">
                 <a:latin typeface="Times New Roman" panose="02020603050405020304" pitchFamily="18" charset="0"/>
                 <a:cs typeface="Times New Roman" panose="02020603050405020304" pitchFamily="18" charset="0"/>
               </a:rPr>
               <a:t>  //access m field</a:t>
             </a:r>
-            <a:endParaRPr lang="en-IN" sz="2400" dirty="0">
+            <a:endParaRPr lang="en-IN" sz="2000" dirty="0" smtClean="0">
               <a:latin typeface="Times New Roman" panose="02020603050405020304" pitchFamily="18" charset="0"/>
               <a:cs typeface="Times New Roman" panose="02020603050405020304" pitchFamily="18" charset="0"/>
             </a:endParaRPr>
-          </a:p>
-        </p:txBody>
-      </p:sp>
-    </p:spTree>
-  </p:cSld>
-  <p:clrMapOvr>
-    <a:masterClrMapping/>
-  </p:clrMapOvr>
-</p:sld>
-</file>
-
-<file path=ppt/slides/slide24.xml><?xml version="1.0" encoding="utf-8"?>
-<p:sld xmlns:a="http://schemas.openxmlformats.org/drawingml/2006/main" xmlns:r="http://schemas.openxmlformats.org/officeDocument/2006/relationships" xmlns:p="http://schemas.openxmlformats.org/presentationml/2006/main">
-  <p:cSld>
-    <p:spTree>
-      <p:nvGrpSpPr>
-        <p:cNvPr id="1" name=""/>
-        <p:cNvGrpSpPr/>
-        <p:nvPr/>
-      </p:nvGrpSpPr>
-      <p:grpSpPr/>
-      <p:sp>
-        <p:nvSpPr>
-          <p:cNvPr id="2" name="Title 1"/>
-          <p:cNvSpPr>
-            <a:spLocks noGrp="1"/>
-          </p:cNvSpPr>
-          <p:nvPr>
-            <p:ph type="title"/>
-          </p:nvPr>
-        </p:nvSpPr>
-        <p:spPr/>
-        <p:txBody>
-          <a:bodyPr/>
-          <a:p>
-            <a:r>
-              <a:rPr lang="en-US"/>
-              <a:t>BIT Field</a:t>
-            </a:r>
-            <a:endParaRPr lang="en-US"/>
-          </a:p>
-        </p:txBody>
-      </p:sp>
-      <p:sp>
-        <p:nvSpPr>
-          <p:cNvPr id="3" name="Content Placeholder 2"/>
-          <p:cNvSpPr>
-            <a:spLocks noGrp="1"/>
-          </p:cNvSpPr>
-          <p:nvPr>
-            <p:ph idx="1"/>
-          </p:nvPr>
-        </p:nvSpPr>
-        <p:spPr/>
-        <p:txBody>
-          <a:bodyPr/>
-          <a:p>
-            <a:r>
-              <a:rPr lang="en-US" altLang="en-US"/>
-              <a:t>Can specify the size (in bits) of the structure and union members. </a:t>
-            </a:r>
-            <a:endParaRPr lang="en-US" altLang="en-US"/>
-          </a:p>
-          <a:p>
-            <a:r>
-              <a:rPr lang="en-US" altLang="en-US"/>
-              <a:t>to use memory efficiently when we know that the value of a field or group of fields will never exceed a limit or is within a small range. </a:t>
-            </a:r>
-            <a:endParaRPr lang="en-US" altLang="en-US"/>
-          </a:p>
-          <a:p>
-            <a:r>
-              <a:rPr lang="en-US" altLang="en-US"/>
-              <a:t>C Bit fields are used when the storage of our program is limited.</a:t>
-            </a:r>
-            <a:endParaRPr lang="en-US" altLang="en-US"/>
           </a:p>
         </p:txBody>
       </p:sp>
@@ -5578,9 +5749,180 @@
           <a:p>
             <a:r>
               <a:rPr lang="en-US"/>
-              <a:t>Size without Bit Field</a:t>
+              <a:t>BIT Field</a:t>
             </a:r>
             <a:endParaRPr lang="en-US"/>
+          </a:p>
+        </p:txBody>
+      </p:sp>
+      <p:sp>
+        <p:nvSpPr>
+          <p:cNvPr id="3" name="Content Placeholder 2"/>
+          <p:cNvSpPr>
+            <a:spLocks noGrp="1"/>
+          </p:cNvSpPr>
+          <p:nvPr>
+            <p:ph idx="1"/>
+          </p:nvPr>
+        </p:nvSpPr>
+        <p:spPr>
+          <a:xfrm>
+            <a:off x="457200" y="1174750"/>
+            <a:ext cx="8229600" cy="5676900"/>
+          </a:xfrm>
+        </p:spPr>
+        <p:txBody>
+          <a:bodyPr/>
+          <a:p>
+            <a:r>
+              <a:rPr lang="en-US" altLang="en-US" sz="2800"/>
+              <a:t>Can specify the size (in bits) of the structure and union members. </a:t>
+            </a:r>
+            <a:endParaRPr lang="en-US" altLang="en-US" sz="2800"/>
+          </a:p>
+          <a:p>
+            <a:r>
+              <a:rPr lang="en-US" altLang="en-US" sz="2800"/>
+              <a:t>to use memory efficiently when we know that the value of a field or group of fields will never exceed a limit or is within a small range. </a:t>
+            </a:r>
+            <a:endParaRPr lang="en-US" altLang="en-US" sz="2800"/>
+          </a:p>
+          <a:p>
+            <a:r>
+              <a:rPr lang="en-US" altLang="en-US" sz="2800"/>
+              <a:t>C Bit fields are used when the storage of our program is limited.</a:t>
+            </a:r>
+            <a:endParaRPr lang="en-US" altLang="en-US" sz="2800"/>
+          </a:p>
+          <a:p>
+            <a:r>
+              <a:rPr lang="en-US" altLang="en-US" sz="2800"/>
+              <a:t>Syntax</a:t>
+            </a:r>
+            <a:endParaRPr lang="en-US" altLang="en-US" sz="2800"/>
+          </a:p>
+          <a:p>
+            <a:pPr marL="0" indent="457200">
+              <a:buNone/>
+            </a:pPr>
+            <a:r>
+              <a:rPr lang="en-US" altLang="en-US" sz="2800">
+                <a:solidFill>
+                  <a:srgbClr val="FF0000"/>
+                </a:solidFill>
+              </a:rPr>
+              <a:t>struct {</a:t>
+            </a:r>
+            <a:endParaRPr lang="en-US" altLang="en-US" sz="2800">
+              <a:solidFill>
+                <a:srgbClr val="FF0000"/>
+              </a:solidFill>
+            </a:endParaRPr>
+          </a:p>
+          <a:p>
+            <a:pPr marL="457200" lvl="1" indent="457200">
+              <a:buNone/>
+            </a:pPr>
+            <a:r>
+              <a:rPr lang="en-US" altLang="en-US" sz="2800">
+                <a:solidFill>
+                  <a:srgbClr val="FF0000"/>
+                </a:solidFill>
+              </a:rPr>
+              <a:t>   type [member_name] : width;</a:t>
+            </a:r>
+            <a:endParaRPr lang="en-US" altLang="en-US" sz="2800">
+              <a:solidFill>
+                <a:srgbClr val="FF0000"/>
+              </a:solidFill>
+            </a:endParaRPr>
+          </a:p>
+          <a:p>
+            <a:pPr marL="0" indent="457200">
+              <a:buNone/>
+            </a:pPr>
+            <a:r>
+              <a:rPr lang="en-US" altLang="en-US" sz="2800">
+                <a:solidFill>
+                  <a:srgbClr val="FF0000"/>
+                </a:solidFill>
+              </a:rPr>
+              <a:t>};</a:t>
+            </a:r>
+            <a:endParaRPr lang="en-US" altLang="en-US" sz="2800">
+              <a:solidFill>
+                <a:srgbClr val="FF0000"/>
+              </a:solidFill>
+            </a:endParaRPr>
+          </a:p>
+        </p:txBody>
+      </p:sp>
+    </p:spTree>
+  </p:cSld>
+  <p:clrMapOvr>
+    <a:masterClrMapping/>
+  </p:clrMapOvr>
+</p:sld>
+</file>
+
+<file path=ppt/slides/slide26.xml><?xml version="1.0" encoding="utf-8"?>
+<p:sld xmlns:a="http://schemas.openxmlformats.org/drawingml/2006/main" xmlns:r="http://schemas.openxmlformats.org/officeDocument/2006/relationships" xmlns:p="http://schemas.openxmlformats.org/presentationml/2006/main">
+  <p:cSld>
+    <p:spTree>
+      <p:nvGrpSpPr>
+        <p:cNvPr id="1" name=""/>
+        <p:cNvGrpSpPr/>
+        <p:nvPr/>
+      </p:nvGrpSpPr>
+      <p:grpSpPr/>
+      <p:sp>
+        <p:nvSpPr>
+          <p:cNvPr id="2" name="Title 1"/>
+          <p:cNvSpPr>
+            <a:spLocks noGrp="1"/>
+          </p:cNvSpPr>
+          <p:nvPr>
+            <p:ph type="title"/>
+          </p:nvPr>
+        </p:nvSpPr>
+        <p:spPr>
+          <a:xfrm>
+            <a:off x="457200" y="114300"/>
+            <a:ext cx="8229600" cy="582613"/>
+          </a:xfrm>
+        </p:spPr>
+        <p:txBody>
+          <a:bodyPr/>
+          <a:p>
+            <a:r>
+              <a:rPr lang="en-US">
+                <a:gradFill>
+                  <a:gsLst>
+                    <a:gs pos="0">
+                      <a:srgbClr val="007BD3"/>
+                    </a:gs>
+                    <a:gs pos="100000">
+                      <a:srgbClr val="034373"/>
+                    </a:gs>
+                  </a:gsLst>
+                  <a:lin scaled="0"/>
+                </a:gradFill>
+              </a:rPr>
+              <a:t>Size of structure without Bit Field</a:t>
+            </a:r>
+            <a:endParaRPr lang="en-US">
+              <a:gradFill>
+                <a:gsLst>
+                  <a:gs pos="0">
+                    <a:srgbClr val="007BD3"/>
+                  </a:gs>
+                  <a:gs pos="100000">
+                    <a:srgbClr val="034373"/>
+                  </a:gs>
+                </a:gsLst>
+                <a:lin scaled="0"/>
+              </a:gradFill>
+            </a:endParaRPr>
           </a:p>
         </p:txBody>
       </p:sp>
@@ -5618,7 +5960,7 @@
 </p:sld>
 </file>
 
-<file path=ppt/slides/slide26.xml><?xml version="1.0" encoding="utf-8"?>
+<file path=ppt/slides/slide27.xml><?xml version="1.0" encoding="utf-8"?>
 <p:sld xmlns:a="http://schemas.openxmlformats.org/drawingml/2006/main" xmlns:r="http://schemas.openxmlformats.org/officeDocument/2006/relationships" xmlns:p="http://schemas.openxmlformats.org/presentationml/2006/main">
   <p:cSld>
     <p:spTree>
@@ -5666,7 +6008,7 @@
         </p:nvSpPr>
         <p:spPr>
           <a:xfrm>
-            <a:off x="4419600" y="3657600"/>
+            <a:off x="2895600" y="3886200"/>
             <a:ext cx="8229600" cy="582613"/>
           </a:xfrm>
         </p:spPr>
@@ -5674,10 +6016,228 @@
           <a:bodyPr/>
           <a:p>
             <a:r>
+              <a:rPr lang="en-US">
+                <a:gradFill>
+                  <a:gsLst>
+                    <a:gs pos="0">
+                      <a:srgbClr val="007BD3"/>
+                    </a:gs>
+                    <a:gs pos="100000">
+                      <a:srgbClr val="034373"/>
+                    </a:gs>
+                  </a:gsLst>
+                  <a:lin scaled="0"/>
+                </a:gradFill>
+              </a:rPr>
+              <a:t>Size of structure with Bit Field</a:t>
+            </a:r>
+            <a:endParaRPr lang="en-US">
+              <a:gradFill>
+                <a:gsLst>
+                  <a:gs pos="0">
+                    <a:srgbClr val="007BD3"/>
+                  </a:gs>
+                  <a:gs pos="100000">
+                    <a:srgbClr val="034373"/>
+                  </a:gs>
+                </a:gsLst>
+                <a:lin scaled="0"/>
+              </a:gradFill>
+            </a:endParaRPr>
+          </a:p>
+        </p:txBody>
+      </p:sp>
+    </p:spTree>
+  </p:cSld>
+  <p:clrMapOvr>
+    <a:masterClrMapping/>
+  </p:clrMapOvr>
+</p:sld>
+</file>
+
+<file path=ppt/slides/slide28.xml><?xml version="1.0" encoding="utf-8"?>
+<p:sld xmlns:a="http://schemas.openxmlformats.org/drawingml/2006/main" xmlns:r="http://schemas.openxmlformats.org/officeDocument/2006/relationships" xmlns:p="http://schemas.openxmlformats.org/presentationml/2006/main">
+  <p:cSld>
+    <p:spTree>
+      <p:nvGrpSpPr>
+        <p:cNvPr id="1" name=""/>
+        <p:cNvGrpSpPr/>
+        <p:nvPr/>
+      </p:nvGrpSpPr>
+      <p:grpSpPr/>
+      <p:sp>
+        <p:nvSpPr>
+          <p:cNvPr id="2" name="Title 1"/>
+          <p:cNvSpPr>
+            <a:spLocks noGrp="1"/>
+          </p:cNvSpPr>
+          <p:nvPr>
+            <p:ph type="title"/>
+          </p:nvPr>
+        </p:nvSpPr>
+        <p:spPr/>
+        <p:txBody>
+          <a:bodyPr/>
+          <a:p>
+            <a:r>
               <a:rPr lang="en-US"/>
-              <a:t>Size with Bit Field</a:t>
+              <a:t>Dynamic Memory Allocation	</a:t>
             </a:r>
             <a:endParaRPr lang="en-US"/>
+          </a:p>
+        </p:txBody>
+      </p:sp>
+      <p:sp>
+        <p:nvSpPr>
+          <p:cNvPr id="3" name="Content Placeholder 2"/>
+          <p:cNvSpPr>
+            <a:spLocks noGrp="1"/>
+          </p:cNvSpPr>
+          <p:nvPr>
+            <p:ph idx="1"/>
+          </p:nvPr>
+        </p:nvSpPr>
+        <p:spPr/>
+        <p:txBody>
+          <a:bodyPr/>
+          <a:p>
+            <a:r>
+              <a:rPr lang="en-US" altLang="en-US"/>
+              <a:t>Process of allocating memory at runtime (during program execution) rather than at compile time. </a:t>
+            </a:r>
+            <a:endParaRPr lang="en-US" altLang="en-US"/>
+          </a:p>
+          <a:p>
+            <a:r>
+              <a:rPr lang="en-US" altLang="en-US"/>
+              <a:t>Allows programs to request memory from the operating system as needed and release it when it is no longer required.</a:t>
+            </a:r>
+            <a:endParaRPr lang="en-US" altLang="en-US"/>
+          </a:p>
+          <a:p>
+            <a:r>
+              <a:rPr lang="en-US" altLang="en-US"/>
+              <a:t>Used when size is not known in advance, such as arrays, linked lists, trees, and more.</a:t>
+            </a:r>
+            <a:endParaRPr lang="en-US" altLang="en-US"/>
+          </a:p>
+          <a:p>
+            <a:endParaRPr lang="en-US" altLang="en-US"/>
+          </a:p>
+        </p:txBody>
+      </p:sp>
+    </p:spTree>
+  </p:cSld>
+  <p:clrMapOvr>
+    <a:masterClrMapping/>
+  </p:clrMapOvr>
+</p:sld>
+</file>
+
+<file path=ppt/slides/slide29.xml><?xml version="1.0" encoding="utf-8"?>
+<p:sld xmlns:a="http://schemas.openxmlformats.org/drawingml/2006/main" xmlns:r="http://schemas.openxmlformats.org/officeDocument/2006/relationships" xmlns:p="http://schemas.openxmlformats.org/presentationml/2006/main">
+  <p:cSld>
+    <p:spTree>
+      <p:nvGrpSpPr>
+        <p:cNvPr id="1" name=""/>
+        <p:cNvGrpSpPr/>
+        <p:nvPr/>
+      </p:nvGrpSpPr>
+      <p:grpSpPr/>
+      <p:sp>
+        <p:nvSpPr>
+          <p:cNvPr id="2" name="Title 1"/>
+          <p:cNvSpPr>
+            <a:spLocks noGrp="1"/>
+          </p:cNvSpPr>
+          <p:nvPr>
+            <p:ph type="title"/>
+          </p:nvPr>
+        </p:nvSpPr>
+        <p:spPr/>
+        <p:txBody>
+          <a:bodyPr/>
+          <a:p>
+            <a:r>
+              <a:rPr lang="en-US" altLang="en-US"/>
+              <a:t>key functions in stdlib.h</a:t>
+            </a:r>
+            <a:endParaRPr lang="en-US" altLang="en-US"/>
+          </a:p>
+        </p:txBody>
+      </p:sp>
+      <p:sp>
+        <p:nvSpPr>
+          <p:cNvPr id="3" name="Content Placeholder 2"/>
+          <p:cNvSpPr>
+            <a:spLocks noGrp="1"/>
+          </p:cNvSpPr>
+          <p:nvPr>
+            <p:ph idx="1"/>
+          </p:nvPr>
+        </p:nvSpPr>
+        <p:spPr/>
+        <p:txBody>
+          <a:bodyPr/>
+          <a:p>
+            <a:r>
+              <a:rPr lang="en-US" altLang="en-US">
+                <a:solidFill>
+                  <a:srgbClr val="FF0000"/>
+                </a:solidFill>
+              </a:rPr>
+              <a:t>malloc:</a:t>
+            </a:r>
+            <a:r>
+              <a:rPr lang="en-US" altLang="en-US"/>
+              <a:t> Allocates a block of memory of a specified size.</a:t>
+            </a:r>
+            <a:endParaRPr lang="en-US" altLang="en-US"/>
+          </a:p>
+          <a:p>
+            <a:r>
+              <a:rPr lang="en-US" altLang="en-US">
+                <a:solidFill>
+                  <a:srgbClr val="FF0000"/>
+                </a:solidFill>
+              </a:rPr>
+              <a:t>calloc:</a:t>
+            </a:r>
+            <a:r>
+              <a:rPr lang="en-US" altLang="en-US"/>
+              <a:t> Allocates a block of memory for an array of elements and initializes all bytes to zero.</a:t>
+            </a:r>
+            <a:endParaRPr lang="en-US" altLang="en-US"/>
+          </a:p>
+          <a:p>
+            <a:r>
+              <a:rPr lang="en-US" altLang="en-US">
+                <a:solidFill>
+                  <a:srgbClr val="FF0000"/>
+                </a:solidFill>
+              </a:rPr>
+              <a:t>realloc:</a:t>
+            </a:r>
+            <a:r>
+              <a:rPr lang="en-US" altLang="en-US"/>
+              <a:t> Resizes a previously allocated block of memory.</a:t>
+            </a:r>
+            <a:endParaRPr lang="en-US" altLang="en-US"/>
+          </a:p>
+          <a:p>
+            <a:r>
+              <a:rPr lang="en-US" altLang="en-US">
+                <a:solidFill>
+                  <a:srgbClr val="FF0000"/>
+                </a:solidFill>
+              </a:rPr>
+              <a:t>free: </a:t>
+            </a:r>
+            <a:r>
+              <a:rPr lang="en-US" altLang="en-US"/>
+              <a:t>Deallocates a block of memory, making it available for future use.</a:t>
+            </a:r>
+            <a:endParaRPr lang="en-US" altLang="en-US"/>
           </a:p>
         </p:txBody>
       </p:sp>
@@ -5804,6 +6364,1379 @@
 </p:sld>
 </file>
 
+<file path=ppt/slides/slide30.xml><?xml version="1.0" encoding="utf-8"?>
+<p:sld xmlns:a="http://schemas.openxmlformats.org/drawingml/2006/main" xmlns:r="http://schemas.openxmlformats.org/officeDocument/2006/relationships" xmlns:p="http://schemas.openxmlformats.org/presentationml/2006/main">
+  <p:cSld>
+    <p:spTree>
+      <p:nvGrpSpPr>
+        <p:cNvPr id="1" name=""/>
+        <p:cNvGrpSpPr/>
+        <p:nvPr/>
+      </p:nvGrpSpPr>
+      <p:grpSpPr/>
+      <p:sp>
+        <p:nvSpPr>
+          <p:cNvPr id="2" name="Title 1"/>
+          <p:cNvSpPr>
+            <a:spLocks noGrp="1"/>
+          </p:cNvSpPr>
+          <p:nvPr>
+            <p:ph type="title"/>
+          </p:nvPr>
+        </p:nvSpPr>
+        <p:spPr/>
+        <p:txBody>
+          <a:bodyPr/>
+          <a:p>
+            <a:r>
+              <a:rPr lang="en-US" altLang="en-US">
+                <a:sym typeface="+mn-ea"/>
+              </a:rPr>
+              <a:t>1. malloc (Memory Allocation)</a:t>
+            </a:r>
+            <a:endParaRPr lang="en-US"/>
+          </a:p>
+        </p:txBody>
+      </p:sp>
+      <p:sp>
+        <p:nvSpPr>
+          <p:cNvPr id="3" name="Content Placeholder 2"/>
+          <p:cNvSpPr>
+            <a:spLocks noGrp="1"/>
+          </p:cNvSpPr>
+          <p:nvPr>
+            <p:ph idx="1"/>
+          </p:nvPr>
+        </p:nvSpPr>
+        <p:spPr/>
+        <p:txBody>
+          <a:bodyPr/>
+          <a:p>
+            <a:r>
+              <a:rPr lang="en-US" altLang="en-US" sz="2800"/>
+              <a:t>Allocates a block of memory of a specified size </a:t>
+            </a:r>
+            <a:r>
+              <a:rPr lang="en-US" altLang="en-US" sz="2800">
+                <a:gradFill>
+                  <a:gsLst>
+                    <a:gs pos="0">
+                      <a:srgbClr val="14CD68"/>
+                    </a:gs>
+                    <a:gs pos="100000">
+                      <a:srgbClr val="0B6E38"/>
+                    </a:gs>
+                  </a:gsLst>
+                  <a:lin scaled="0"/>
+                </a:gradFill>
+              </a:rPr>
+              <a:t>in bytes</a:t>
+            </a:r>
+            <a:r>
+              <a:rPr lang="en-US" altLang="en-US" sz="2800"/>
+              <a:t>.</a:t>
+            </a:r>
+            <a:endParaRPr lang="en-US" altLang="en-US" sz="2800"/>
+          </a:p>
+          <a:p>
+            <a:r>
+              <a:rPr lang="en-US" altLang="en-US" sz="2800"/>
+              <a:t>The memory is not initialized (</a:t>
+            </a:r>
+            <a:r>
+              <a:rPr lang="en-US" altLang="en-US" sz="2800">
+                <a:solidFill>
+                  <a:srgbClr val="FF0000"/>
+                </a:solidFill>
+              </a:rPr>
+              <a:t>contains garbage values</a:t>
+            </a:r>
+            <a:r>
+              <a:rPr lang="en-US" altLang="en-US" sz="2800"/>
+              <a:t>).</a:t>
+            </a:r>
+            <a:endParaRPr lang="en-US" altLang="en-US" sz="2800"/>
+          </a:p>
+          <a:p>
+            <a:r>
+              <a:rPr lang="en-US" altLang="en-US" sz="2800">
+                <a:gradFill>
+                  <a:gsLst>
+                    <a:gs pos="0">
+                      <a:srgbClr val="14CD68"/>
+                    </a:gs>
+                    <a:gs pos="100000">
+                      <a:srgbClr val="035C7D"/>
+                    </a:gs>
+                  </a:gsLst>
+                  <a:lin scaled="0"/>
+                </a:gradFill>
+              </a:rPr>
+              <a:t>Returns a pointer</a:t>
+            </a:r>
+            <a:r>
+              <a:rPr lang="en-US" altLang="en-US" sz="2800"/>
+              <a:t> to the first byte of the allocated memory.</a:t>
+            </a:r>
+            <a:endParaRPr lang="en-US" altLang="en-US" sz="2800"/>
+          </a:p>
+          <a:p>
+            <a:r>
+              <a:rPr lang="en-US" altLang="en-US" sz="2800"/>
+              <a:t>If the allocation fails, it returns </a:t>
+            </a:r>
+            <a:r>
+              <a:rPr lang="en-US" altLang="en-US" sz="2800">
+                <a:solidFill>
+                  <a:srgbClr val="FF0000"/>
+                </a:solidFill>
+              </a:rPr>
+              <a:t>NULL.</a:t>
+            </a:r>
+            <a:endParaRPr lang="en-US" altLang="en-US" sz="2800"/>
+          </a:p>
+          <a:p>
+            <a:endParaRPr lang="en-US" altLang="en-US" sz="2800"/>
+          </a:p>
+          <a:p>
+            <a:r>
+              <a:rPr lang="en-US" altLang="en-US" sz="2800"/>
+              <a:t>Syntax</a:t>
+            </a:r>
+            <a:endParaRPr lang="en-US" altLang="en-US" sz="2800"/>
+          </a:p>
+          <a:p>
+            <a:pPr marL="0" indent="457200">
+              <a:buNone/>
+            </a:pPr>
+            <a:r>
+              <a:rPr lang="en-US" altLang="en-US" sz="2800"/>
+              <a:t>void* malloc(size_t size);</a:t>
+            </a:r>
+            <a:endParaRPr lang="en-US" altLang="en-US" sz="2800"/>
+          </a:p>
+        </p:txBody>
+      </p:sp>
+    </p:spTree>
+  </p:cSld>
+  <p:clrMapOvr>
+    <a:masterClrMapping/>
+  </p:clrMapOvr>
+</p:sld>
+</file>
+
+<file path=ppt/slides/slide31.xml><?xml version="1.0" encoding="utf-8"?>
+<p:sld xmlns:a="http://schemas.openxmlformats.org/drawingml/2006/main" xmlns:r="http://schemas.openxmlformats.org/officeDocument/2006/relationships" xmlns:p="http://schemas.openxmlformats.org/presentationml/2006/main">
+  <p:cSld>
+    <p:spTree>
+      <p:nvGrpSpPr>
+        <p:cNvPr id="1" name=""/>
+        <p:cNvGrpSpPr/>
+        <p:nvPr/>
+      </p:nvGrpSpPr>
+      <p:grpSpPr/>
+      <p:sp>
+        <p:nvSpPr>
+          <p:cNvPr id="2" name="Title 1"/>
+          <p:cNvSpPr>
+            <a:spLocks noGrp="1"/>
+          </p:cNvSpPr>
+          <p:nvPr>
+            <p:ph type="title"/>
+          </p:nvPr>
+        </p:nvSpPr>
+        <p:spPr/>
+        <p:txBody>
+          <a:bodyPr/>
+          <a:p>
+            <a:endParaRPr lang="en-US"/>
+          </a:p>
+        </p:txBody>
+      </p:sp>
+      <p:pic>
+        <p:nvPicPr>
+          <p:cNvPr id="4" name="Content Placeholder 3"/>
+          <p:cNvPicPr>
+            <a:picLocks noChangeAspect="1"/>
+          </p:cNvPicPr>
+          <p:nvPr>
+            <p:ph idx="1"/>
+          </p:nvPr>
+        </p:nvPicPr>
+        <p:blipFill>
+          <a:blip r:embed="rId1"/>
+          <a:stretch>
+            <a:fillRect/>
+          </a:stretch>
+        </p:blipFill>
+        <p:spPr>
+          <a:xfrm>
+            <a:off x="0" y="0"/>
+            <a:ext cx="5711825" cy="5801995"/>
+          </a:xfrm>
+          <a:prstGeom prst="rect">
+            <a:avLst/>
+          </a:prstGeom>
+        </p:spPr>
+      </p:pic>
+      <p:pic>
+        <p:nvPicPr>
+          <p:cNvPr id="5" name="Picture 4"/>
+          <p:cNvPicPr>
+            <a:picLocks noChangeAspect="1"/>
+          </p:cNvPicPr>
+          <p:nvPr/>
+        </p:nvPicPr>
+        <p:blipFill>
+          <a:blip r:embed="rId2"/>
+          <a:stretch>
+            <a:fillRect/>
+          </a:stretch>
+        </p:blipFill>
+        <p:spPr>
+          <a:xfrm>
+            <a:off x="4800600" y="3494405"/>
+            <a:ext cx="4312920" cy="3363595"/>
+          </a:xfrm>
+          <a:prstGeom prst="rect">
+            <a:avLst/>
+          </a:prstGeom>
+        </p:spPr>
+      </p:pic>
+    </p:spTree>
+  </p:cSld>
+  <p:clrMapOvr>
+    <a:masterClrMapping/>
+  </p:clrMapOvr>
+</p:sld>
+</file>
+
+<file path=ppt/slides/slide32.xml><?xml version="1.0" encoding="utf-8"?>
+<p:sld xmlns:a="http://schemas.openxmlformats.org/drawingml/2006/main" xmlns:r="http://schemas.openxmlformats.org/officeDocument/2006/relationships" xmlns:p="http://schemas.openxmlformats.org/presentationml/2006/main">
+  <p:cSld>
+    <p:spTree>
+      <p:nvGrpSpPr>
+        <p:cNvPr id="1" name=""/>
+        <p:cNvGrpSpPr/>
+        <p:nvPr/>
+      </p:nvGrpSpPr>
+      <p:grpSpPr/>
+      <p:sp>
+        <p:nvSpPr>
+          <p:cNvPr id="2" name="Title 1"/>
+          <p:cNvSpPr>
+            <a:spLocks noGrp="1"/>
+          </p:cNvSpPr>
+          <p:nvPr>
+            <p:ph type="title"/>
+          </p:nvPr>
+        </p:nvSpPr>
+        <p:spPr/>
+        <p:txBody>
+          <a:bodyPr/>
+          <a:p>
+            <a:r>
+              <a:rPr lang="en-US" altLang="en-US">
+                <a:solidFill>
+                  <a:srgbClr val="0070C0"/>
+                </a:solidFill>
+                <a:sym typeface="+mn-ea"/>
+              </a:rPr>
+              <a:t>2. calloc (Contiguous Allocation)</a:t>
+            </a:r>
+            <a:endParaRPr lang="en-US" altLang="en-US">
+              <a:solidFill>
+                <a:srgbClr val="0070C0"/>
+              </a:solidFill>
+              <a:sym typeface="+mn-ea"/>
+            </a:endParaRPr>
+          </a:p>
+        </p:txBody>
+      </p:sp>
+      <p:sp>
+        <p:nvSpPr>
+          <p:cNvPr id="3" name="Content Placeholder 2"/>
+          <p:cNvSpPr>
+            <a:spLocks noGrp="1"/>
+          </p:cNvSpPr>
+          <p:nvPr>
+            <p:ph idx="1"/>
+          </p:nvPr>
+        </p:nvSpPr>
+        <p:spPr>
+          <a:xfrm>
+            <a:off x="457200" y="1174750"/>
+            <a:ext cx="8229600" cy="5577840"/>
+          </a:xfrm>
+        </p:spPr>
+        <p:txBody>
+          <a:bodyPr/>
+          <a:p>
+            <a:r>
+              <a:rPr lang="en-US" altLang="en-US" sz="2800"/>
+              <a:t>Allocates memory for an array of elements and </a:t>
+            </a:r>
+            <a:r>
+              <a:rPr lang="en-US" altLang="en-US" sz="2800">
+                <a:gradFill>
+                  <a:gsLst>
+                    <a:gs pos="0">
+                      <a:srgbClr val="14CD68"/>
+                    </a:gs>
+                    <a:gs pos="100000">
+                      <a:srgbClr val="035C7D"/>
+                    </a:gs>
+                  </a:gsLst>
+                  <a:lin scaled="0"/>
+                </a:gradFill>
+              </a:rPr>
+              <a:t>initializes all bytes to zero</a:t>
+            </a:r>
+            <a:r>
+              <a:rPr lang="en-US" altLang="en-US" sz="2800"/>
+              <a:t>.</a:t>
+            </a:r>
+            <a:endParaRPr lang="en-US" altLang="en-US" sz="2800"/>
+          </a:p>
+          <a:p>
+            <a:r>
+              <a:rPr lang="en-US" altLang="en-US" sz="2800"/>
+              <a:t>Takes two arguments: the number of elements and the size of each element.</a:t>
+            </a:r>
+            <a:endParaRPr lang="en-US" altLang="en-US" sz="2800"/>
+          </a:p>
+          <a:p>
+            <a:r>
+              <a:rPr lang="en-US" altLang="en-US" sz="2800"/>
+              <a:t>Returns a pointer to the first byte of the allocated memory.</a:t>
+            </a:r>
+            <a:endParaRPr lang="en-US" altLang="en-US" sz="2800"/>
+          </a:p>
+          <a:p>
+            <a:r>
+              <a:rPr lang="en-US" altLang="en-US" sz="2800"/>
+              <a:t>If the allocation fails, it returns </a:t>
+            </a:r>
+            <a:r>
+              <a:rPr lang="en-US" altLang="en-US" sz="2800">
+                <a:solidFill>
+                  <a:srgbClr val="C00000"/>
+                </a:solidFill>
+              </a:rPr>
+              <a:t>NULL</a:t>
+            </a:r>
+            <a:r>
+              <a:rPr lang="en-US" altLang="en-US" sz="2800"/>
+              <a:t>.</a:t>
+            </a:r>
+            <a:endParaRPr lang="en-US" altLang="en-US" sz="2800"/>
+          </a:p>
+          <a:p>
+            <a:pPr marL="0" indent="0">
+              <a:buNone/>
+            </a:pPr>
+            <a:endParaRPr lang="en-US" altLang="en-US" sz="2800"/>
+          </a:p>
+          <a:p>
+            <a:r>
+              <a:rPr lang="en-US" altLang="en-US" sz="2800"/>
+              <a:t>Syntax</a:t>
+            </a:r>
+            <a:endParaRPr lang="en-US" altLang="en-US" sz="2800"/>
+          </a:p>
+          <a:p>
+            <a:r>
+              <a:rPr lang="en-US" altLang="en-US" sz="2800">
+                <a:gradFill>
+                  <a:gsLst>
+                    <a:gs pos="0">
+                      <a:srgbClr val="007BD3"/>
+                    </a:gs>
+                    <a:gs pos="100000">
+                      <a:srgbClr val="034373"/>
+                    </a:gs>
+                  </a:gsLst>
+                  <a:lin scaled="0"/>
+                </a:gradFill>
+              </a:rPr>
+              <a:t>void* calloc(size_t num, size_t size);</a:t>
+            </a:r>
+            <a:endParaRPr lang="en-US" altLang="en-US" sz="2800">
+              <a:gradFill>
+                <a:gsLst>
+                  <a:gs pos="0">
+                    <a:srgbClr val="007BD3"/>
+                  </a:gs>
+                  <a:gs pos="100000">
+                    <a:srgbClr val="034373"/>
+                  </a:gs>
+                </a:gsLst>
+                <a:lin scaled="0"/>
+              </a:gradFill>
+            </a:endParaRPr>
+          </a:p>
+        </p:txBody>
+      </p:sp>
+    </p:spTree>
+  </p:cSld>
+  <p:clrMapOvr>
+    <a:masterClrMapping/>
+  </p:clrMapOvr>
+</p:sld>
+</file>
+
+<file path=ppt/slides/slide33.xml><?xml version="1.0" encoding="utf-8"?>
+<p:sld xmlns:a="http://schemas.openxmlformats.org/drawingml/2006/main" xmlns:r="http://schemas.openxmlformats.org/officeDocument/2006/relationships" xmlns:p="http://schemas.openxmlformats.org/presentationml/2006/main">
+  <p:cSld>
+    <p:spTree>
+      <p:nvGrpSpPr>
+        <p:cNvPr id="1" name=""/>
+        <p:cNvGrpSpPr/>
+        <p:nvPr/>
+      </p:nvGrpSpPr>
+      <p:grpSpPr/>
+      <p:sp>
+        <p:nvSpPr>
+          <p:cNvPr id="2" name="Title 1"/>
+          <p:cNvSpPr>
+            <a:spLocks noGrp="1"/>
+          </p:cNvSpPr>
+          <p:nvPr>
+            <p:ph type="title"/>
+          </p:nvPr>
+        </p:nvSpPr>
+        <p:spPr/>
+        <p:txBody>
+          <a:bodyPr/>
+          <a:p>
+            <a:endParaRPr lang="en-US"/>
+          </a:p>
+        </p:txBody>
+      </p:sp>
+      <p:pic>
+        <p:nvPicPr>
+          <p:cNvPr id="4" name="Content Placeholder 3"/>
+          <p:cNvPicPr>
+            <a:picLocks noChangeAspect="1"/>
+          </p:cNvPicPr>
+          <p:nvPr>
+            <p:ph idx="1"/>
+          </p:nvPr>
+        </p:nvPicPr>
+        <p:blipFill>
+          <a:blip r:embed="rId1"/>
+          <a:stretch>
+            <a:fillRect/>
+          </a:stretch>
+        </p:blipFill>
+        <p:spPr>
+          <a:xfrm>
+            <a:off x="1401445" y="-2540"/>
+            <a:ext cx="7797165" cy="6845935"/>
+          </a:xfrm>
+          <a:prstGeom prst="rect">
+            <a:avLst/>
+          </a:prstGeom>
+        </p:spPr>
+      </p:pic>
+    </p:spTree>
+  </p:cSld>
+  <p:clrMapOvr>
+    <a:masterClrMapping/>
+  </p:clrMapOvr>
+</p:sld>
+</file>
+
+<file path=ppt/slides/slide34.xml><?xml version="1.0" encoding="utf-8"?>
+<p:sld xmlns:a="http://schemas.openxmlformats.org/drawingml/2006/main" xmlns:r="http://schemas.openxmlformats.org/officeDocument/2006/relationships" xmlns:p="http://schemas.openxmlformats.org/presentationml/2006/main">
+  <p:cSld>
+    <p:spTree>
+      <p:nvGrpSpPr>
+        <p:cNvPr id="1" name=""/>
+        <p:cNvGrpSpPr/>
+        <p:nvPr/>
+      </p:nvGrpSpPr>
+      <p:grpSpPr/>
+      <p:sp>
+        <p:nvSpPr>
+          <p:cNvPr id="2" name="Title 1"/>
+          <p:cNvSpPr>
+            <a:spLocks noGrp="1"/>
+          </p:cNvSpPr>
+          <p:nvPr>
+            <p:ph type="title"/>
+          </p:nvPr>
+        </p:nvSpPr>
+        <p:spPr/>
+        <p:txBody>
+          <a:bodyPr/>
+          <a:p>
+            <a:r>
+              <a:rPr lang="en-US" altLang="en-US">
+                <a:gradFill>
+                  <a:gsLst>
+                    <a:gs pos="0">
+                      <a:srgbClr val="007BD3"/>
+                    </a:gs>
+                    <a:gs pos="100000">
+                      <a:srgbClr val="034373"/>
+                    </a:gs>
+                  </a:gsLst>
+                  <a:lin scaled="0"/>
+                </a:gradFill>
+                <a:sym typeface="+mn-ea"/>
+              </a:rPr>
+              <a:t>3. realloc (Reallocation)</a:t>
+            </a:r>
+            <a:endParaRPr lang="en-US" altLang="en-US">
+              <a:gradFill>
+                <a:gsLst>
+                  <a:gs pos="0">
+                    <a:srgbClr val="007BD3"/>
+                  </a:gs>
+                  <a:gs pos="100000">
+                    <a:srgbClr val="034373"/>
+                  </a:gs>
+                </a:gsLst>
+                <a:lin scaled="0"/>
+              </a:gradFill>
+              <a:sym typeface="+mn-ea"/>
+            </a:endParaRPr>
+          </a:p>
+        </p:txBody>
+      </p:sp>
+      <p:sp>
+        <p:nvSpPr>
+          <p:cNvPr id="3" name="Content Placeholder 2"/>
+          <p:cNvSpPr>
+            <a:spLocks noGrp="1"/>
+          </p:cNvSpPr>
+          <p:nvPr>
+            <p:ph idx="1"/>
+          </p:nvPr>
+        </p:nvSpPr>
+        <p:spPr/>
+        <p:txBody>
+          <a:bodyPr/>
+          <a:p>
+            <a:r>
+              <a:rPr lang="en-US" altLang="en-US" sz="2400"/>
+              <a:t>Resizes a previously allocated block of memory.</a:t>
+            </a:r>
+            <a:endParaRPr lang="en-US" altLang="en-US" sz="2400"/>
+          </a:p>
+          <a:p>
+            <a:r>
+              <a:rPr lang="en-US" altLang="en-US" sz="2400">
+                <a:solidFill>
+                  <a:srgbClr val="C00000"/>
+                </a:solidFill>
+              </a:rPr>
+              <a:t>Takes two arguments</a:t>
+            </a:r>
+            <a:r>
+              <a:rPr lang="en-US" altLang="en-US" sz="2400"/>
+              <a:t>: a pointer to the previously allocated memory and the new size.</a:t>
+            </a:r>
+            <a:endParaRPr lang="en-US" altLang="en-US" sz="2400"/>
+          </a:p>
+          <a:p>
+            <a:r>
+              <a:rPr lang="en-US" altLang="en-US" sz="2400"/>
+              <a:t>If the new size is larger, the additional memory is uninitialized.</a:t>
+            </a:r>
+            <a:endParaRPr lang="en-US" altLang="en-US" sz="2400"/>
+          </a:p>
+          <a:p>
+            <a:r>
+              <a:rPr lang="en-US" altLang="en-US" sz="2400"/>
+              <a:t>If the new size is smaller, the excess memory is deallocated.</a:t>
+            </a:r>
+            <a:endParaRPr lang="en-US" altLang="en-US" sz="2400"/>
+          </a:p>
+          <a:p>
+            <a:r>
+              <a:rPr lang="en-US" altLang="en-US" sz="2400"/>
+              <a:t>Returns a pointer to the resized memory block.</a:t>
+            </a:r>
+            <a:endParaRPr lang="en-US" altLang="en-US" sz="2400"/>
+          </a:p>
+          <a:p>
+            <a:r>
+              <a:rPr lang="en-US" altLang="en-US" sz="2400"/>
+              <a:t>If the allocation fails, it returns NULL, and the original block remains unchanged.</a:t>
+            </a:r>
+            <a:endParaRPr lang="en-US" altLang="en-US" sz="2400"/>
+          </a:p>
+          <a:p>
+            <a:r>
+              <a:rPr lang="en-US" altLang="en-US" sz="2400"/>
+              <a:t>Syntax</a:t>
+            </a:r>
+            <a:endParaRPr lang="en-US" altLang="en-US" sz="2400"/>
+          </a:p>
+          <a:p>
+            <a:pPr marL="0" indent="0">
+              <a:buNone/>
+            </a:pPr>
+            <a:r>
+              <a:rPr lang="en-US" altLang="en-US" sz="2400"/>
+              <a:t>void* realloc(void* ptr, size_t size);</a:t>
+            </a:r>
+            <a:endParaRPr lang="en-US" altLang="en-US" sz="2400"/>
+          </a:p>
+        </p:txBody>
+      </p:sp>
+    </p:spTree>
+  </p:cSld>
+  <p:clrMapOvr>
+    <a:masterClrMapping/>
+  </p:clrMapOvr>
+</p:sld>
+</file>
+
+<file path=ppt/slides/slide35.xml><?xml version="1.0" encoding="utf-8"?>
+<p:sld xmlns:a="http://schemas.openxmlformats.org/drawingml/2006/main" xmlns:r="http://schemas.openxmlformats.org/officeDocument/2006/relationships" xmlns:p="http://schemas.openxmlformats.org/presentationml/2006/main">
+  <p:cSld>
+    <p:spTree>
+      <p:nvGrpSpPr>
+        <p:cNvPr id="1" name=""/>
+        <p:cNvGrpSpPr/>
+        <p:nvPr/>
+      </p:nvGrpSpPr>
+      <p:grpSpPr/>
+      <p:sp>
+        <p:nvSpPr>
+          <p:cNvPr id="2" name="Title 1"/>
+          <p:cNvSpPr>
+            <a:spLocks noGrp="1"/>
+          </p:cNvSpPr>
+          <p:nvPr>
+            <p:ph type="title"/>
+          </p:nvPr>
+        </p:nvSpPr>
+        <p:spPr/>
+        <p:txBody>
+          <a:bodyPr/>
+          <a:p>
+            <a:endParaRPr lang="en-US"/>
+          </a:p>
+        </p:txBody>
+      </p:sp>
+      <p:pic>
+        <p:nvPicPr>
+          <p:cNvPr id="4" name="Content Placeholder 3"/>
+          <p:cNvPicPr>
+            <a:picLocks noChangeAspect="1"/>
+          </p:cNvPicPr>
+          <p:nvPr>
+            <p:ph idx="1"/>
+          </p:nvPr>
+        </p:nvPicPr>
+        <p:blipFill>
+          <a:blip r:embed="rId1"/>
+          <a:stretch>
+            <a:fillRect/>
+          </a:stretch>
+        </p:blipFill>
+        <p:spPr>
+          <a:xfrm>
+            <a:off x="0" y="-64770"/>
+            <a:ext cx="4628515" cy="4381500"/>
+          </a:xfrm>
+          <a:prstGeom prst="rect">
+            <a:avLst/>
+          </a:prstGeom>
+        </p:spPr>
+      </p:pic>
+      <p:pic>
+        <p:nvPicPr>
+          <p:cNvPr id="5" name="Picture 4"/>
+          <p:cNvPicPr>
+            <a:picLocks noChangeAspect="1"/>
+          </p:cNvPicPr>
+          <p:nvPr/>
+        </p:nvPicPr>
+        <p:blipFill>
+          <a:blip r:embed="rId2"/>
+          <a:stretch>
+            <a:fillRect/>
+          </a:stretch>
+        </p:blipFill>
+        <p:spPr>
+          <a:xfrm>
+            <a:off x="4501515" y="773430"/>
+            <a:ext cx="4642485" cy="5604510"/>
+          </a:xfrm>
+          <a:prstGeom prst="rect">
+            <a:avLst/>
+          </a:prstGeom>
+        </p:spPr>
+      </p:pic>
+    </p:spTree>
+  </p:cSld>
+  <p:clrMapOvr>
+    <a:masterClrMapping/>
+  </p:clrMapOvr>
+</p:sld>
+</file>
+
+<file path=ppt/slides/slide36.xml><?xml version="1.0" encoding="utf-8"?>
+<p:sld xmlns:a="http://schemas.openxmlformats.org/drawingml/2006/main" xmlns:r="http://schemas.openxmlformats.org/officeDocument/2006/relationships" xmlns:p="http://schemas.openxmlformats.org/presentationml/2006/main">
+  <p:cSld>
+    <p:spTree>
+      <p:nvGrpSpPr>
+        <p:cNvPr id="1" name=""/>
+        <p:cNvGrpSpPr/>
+        <p:nvPr/>
+      </p:nvGrpSpPr>
+      <p:grpSpPr/>
+      <p:sp>
+        <p:nvSpPr>
+          <p:cNvPr id="2" name="Title 1"/>
+          <p:cNvSpPr>
+            <a:spLocks noGrp="1"/>
+          </p:cNvSpPr>
+          <p:nvPr>
+            <p:ph type="title"/>
+          </p:nvPr>
+        </p:nvSpPr>
+        <p:spPr/>
+        <p:txBody>
+          <a:bodyPr/>
+          <a:p>
+            <a:r>
+              <a:rPr lang="en-US" altLang="en-US">
+                <a:sym typeface="+mn-ea"/>
+              </a:rPr>
+              <a:t>4. free (Deallocation)</a:t>
+            </a:r>
+            <a:endParaRPr lang="en-US"/>
+          </a:p>
+        </p:txBody>
+      </p:sp>
+      <p:sp>
+        <p:nvSpPr>
+          <p:cNvPr id="3" name="Content Placeholder 2"/>
+          <p:cNvSpPr>
+            <a:spLocks noGrp="1"/>
+          </p:cNvSpPr>
+          <p:nvPr>
+            <p:ph idx="1"/>
+          </p:nvPr>
+        </p:nvSpPr>
+        <p:spPr/>
+        <p:txBody>
+          <a:bodyPr/>
+          <a:p>
+            <a:r>
+              <a:rPr lang="en-US" altLang="en-US" sz="2800">
+                <a:solidFill>
+                  <a:srgbClr val="C00000"/>
+                </a:solidFill>
+              </a:rPr>
+              <a:t>Releases </a:t>
+            </a:r>
+            <a:r>
+              <a:rPr lang="en-US" altLang="en-US" sz="2800"/>
+              <a:t>a block of memory previously allocated by malloc, calloc, or realloc.</a:t>
+            </a:r>
+            <a:endParaRPr lang="en-US" altLang="en-US" sz="2800"/>
+          </a:p>
+          <a:p>
+            <a:r>
+              <a:rPr lang="en-US" altLang="en-US" sz="2800"/>
+              <a:t>The pointer passed to free must be the same pointer returned by the allocation function.</a:t>
+            </a:r>
+            <a:endParaRPr lang="en-US" altLang="en-US" sz="2800"/>
+          </a:p>
+          <a:p>
+            <a:r>
+              <a:rPr lang="en-US" altLang="en-US" sz="2800"/>
+              <a:t>After calling free, the pointer should not be used (it becomes a </a:t>
+            </a:r>
+            <a:r>
+              <a:rPr lang="en-US" altLang="en-US" sz="2800">
+                <a:solidFill>
+                  <a:srgbClr val="C00000"/>
+                </a:solidFill>
+              </a:rPr>
+              <a:t>dangling pointer</a:t>
+            </a:r>
+            <a:r>
+              <a:rPr lang="en-US" altLang="en-US" sz="2800"/>
+              <a:t>).</a:t>
+            </a:r>
+            <a:endParaRPr lang="en-US" altLang="en-US" sz="2800"/>
+          </a:p>
+          <a:p>
+            <a:endParaRPr lang="en-US" altLang="en-US" sz="2800"/>
+          </a:p>
+          <a:p>
+            <a:r>
+              <a:rPr lang="en-US" altLang="en-US" sz="2800"/>
+              <a:t>Syntax</a:t>
+            </a:r>
+            <a:endParaRPr lang="en-US" altLang="en-US" sz="2800"/>
+          </a:p>
+          <a:p>
+            <a:r>
+              <a:rPr lang="en-US" altLang="en-US" sz="2800"/>
+              <a:t>void free(void* ptr);</a:t>
+            </a:r>
+            <a:endParaRPr lang="en-US" altLang="en-US" sz="2800"/>
+          </a:p>
+        </p:txBody>
+      </p:sp>
+    </p:spTree>
+  </p:cSld>
+  <p:clrMapOvr>
+    <a:masterClrMapping/>
+  </p:clrMapOvr>
+</p:sld>
+</file>
+
+<file path=ppt/slides/slide37.xml><?xml version="1.0" encoding="utf-8"?>
+<p:sld xmlns:a="http://schemas.openxmlformats.org/drawingml/2006/main" xmlns:r="http://schemas.openxmlformats.org/officeDocument/2006/relationships" xmlns:p="http://schemas.openxmlformats.org/presentationml/2006/main">
+  <p:cSld>
+    <p:spTree>
+      <p:nvGrpSpPr>
+        <p:cNvPr id="1" name=""/>
+        <p:cNvGrpSpPr/>
+        <p:nvPr/>
+      </p:nvGrpSpPr>
+      <p:grpSpPr/>
+      <p:sp>
+        <p:nvSpPr>
+          <p:cNvPr id="2" name="Title 1"/>
+          <p:cNvSpPr>
+            <a:spLocks noGrp="1"/>
+          </p:cNvSpPr>
+          <p:nvPr>
+            <p:ph type="title"/>
+          </p:nvPr>
+        </p:nvSpPr>
+        <p:spPr/>
+        <p:txBody>
+          <a:bodyPr/>
+          <a:p>
+            <a:r>
+              <a:rPr lang="en-US"/>
+              <a:t>Linked List(Singly, Doubly, Circular)</a:t>
+            </a:r>
+            <a:endParaRPr lang="en-US"/>
+          </a:p>
+        </p:txBody>
+      </p:sp>
+      <p:pic>
+        <p:nvPicPr>
+          <p:cNvPr id="4" name="Content Placeholder 3"/>
+          <p:cNvPicPr>
+            <a:picLocks noChangeAspect="1"/>
+          </p:cNvPicPr>
+          <p:nvPr>
+            <p:ph idx="1"/>
+          </p:nvPr>
+        </p:nvPicPr>
+        <p:blipFill>
+          <a:blip r:embed="rId1"/>
+          <a:stretch>
+            <a:fillRect/>
+          </a:stretch>
+        </p:blipFill>
+        <p:spPr>
+          <a:xfrm>
+            <a:off x="0" y="1551940"/>
+            <a:ext cx="9145270" cy="1108710"/>
+          </a:xfrm>
+          <a:prstGeom prst="rect">
+            <a:avLst/>
+          </a:prstGeom>
+        </p:spPr>
+      </p:pic>
+      <p:pic>
+        <p:nvPicPr>
+          <p:cNvPr id="5" name="Picture 4"/>
+          <p:cNvPicPr>
+            <a:picLocks noChangeAspect="1"/>
+          </p:cNvPicPr>
+          <p:nvPr/>
+        </p:nvPicPr>
+        <p:blipFill>
+          <a:blip r:embed="rId2"/>
+          <a:stretch>
+            <a:fillRect/>
+          </a:stretch>
+        </p:blipFill>
+        <p:spPr>
+          <a:xfrm>
+            <a:off x="-10795" y="4933315"/>
+            <a:ext cx="9180195" cy="924560"/>
+          </a:xfrm>
+          <a:prstGeom prst="rect">
+            <a:avLst/>
+          </a:prstGeom>
+        </p:spPr>
+      </p:pic>
+    </p:spTree>
+  </p:cSld>
+  <p:clrMapOvr>
+    <a:masterClrMapping/>
+  </p:clrMapOvr>
+</p:sld>
+</file>
+
+<file path=ppt/slides/slide38.xml><?xml version="1.0" encoding="utf-8"?>
+<p:sld xmlns:a="http://schemas.openxmlformats.org/drawingml/2006/main" xmlns:r="http://schemas.openxmlformats.org/officeDocument/2006/relationships" xmlns:p="http://schemas.openxmlformats.org/presentationml/2006/main">
+  <p:cSld>
+    <p:spTree>
+      <p:nvGrpSpPr>
+        <p:cNvPr id="1" name=""/>
+        <p:cNvGrpSpPr/>
+        <p:nvPr/>
+      </p:nvGrpSpPr>
+      <p:grpSpPr/>
+      <p:sp>
+        <p:nvSpPr>
+          <p:cNvPr id="2" name="Title 1"/>
+          <p:cNvSpPr>
+            <a:spLocks noGrp="1"/>
+          </p:cNvSpPr>
+          <p:nvPr>
+            <p:ph type="title"/>
+          </p:nvPr>
+        </p:nvSpPr>
+        <p:spPr/>
+        <p:txBody>
+          <a:bodyPr/>
+          <a:p>
+            <a:r>
+              <a:rPr lang="en-US" altLang="en-US">
+                <a:sym typeface="+mn-ea"/>
+              </a:rPr>
+              <a:t>Linked List</a:t>
+            </a:r>
+            <a:endParaRPr lang="en-US"/>
+          </a:p>
+        </p:txBody>
+      </p:sp>
+      <p:sp>
+        <p:nvSpPr>
+          <p:cNvPr id="3" name="Content Placeholder 2"/>
+          <p:cNvSpPr>
+            <a:spLocks noGrp="1"/>
+          </p:cNvSpPr>
+          <p:nvPr>
+            <p:ph idx="1"/>
+          </p:nvPr>
+        </p:nvSpPr>
+        <p:spPr/>
+        <p:txBody>
+          <a:bodyPr/>
+          <a:p>
+            <a:r>
+              <a:rPr lang="en-US" altLang="en-US" sz="2800"/>
+              <a:t>LL is a linear data structure in which elements are stored in nodes, and each node points to the next node in the sequence. </a:t>
+            </a:r>
+            <a:endParaRPr lang="en-US" altLang="en-US" sz="2800"/>
+          </a:p>
+          <a:p>
+            <a:r>
+              <a:rPr lang="en-US" altLang="en-US" sz="2800"/>
+              <a:t>LL do not require contiguous memory allocation. </a:t>
+            </a:r>
+            <a:endParaRPr lang="en-US" altLang="en-US" sz="2800"/>
+          </a:p>
+          <a:p>
+            <a:r>
+              <a:rPr lang="en-US" altLang="en-US" sz="2800"/>
+              <a:t>Each node in a linked list contains two parts:</a:t>
+            </a:r>
+            <a:endParaRPr lang="en-US" altLang="en-US" sz="2800"/>
+          </a:p>
+          <a:p>
+            <a:pPr lvl="1"/>
+            <a:r>
+              <a:rPr lang="en-US" altLang="en-US" sz="2400">
+                <a:solidFill>
+                  <a:srgbClr val="C00000"/>
+                </a:solidFill>
+              </a:rPr>
+              <a:t>Data:</a:t>
+            </a:r>
+            <a:r>
+              <a:rPr lang="en-US" altLang="en-US" sz="2400"/>
+              <a:t> The value or information stored in the node.</a:t>
+            </a:r>
+            <a:endParaRPr lang="en-US" altLang="en-US" sz="2400"/>
+          </a:p>
+          <a:p>
+            <a:pPr lvl="1"/>
+            <a:r>
+              <a:rPr lang="en-US" altLang="en-US" sz="2400">
+                <a:solidFill>
+                  <a:srgbClr val="C00000"/>
+                </a:solidFill>
+              </a:rPr>
+              <a:t>Pointer:</a:t>
+            </a:r>
+            <a:r>
+              <a:rPr lang="en-US" altLang="en-US" sz="2400"/>
+              <a:t> A reference (or link) to the next node in the list.</a:t>
+            </a:r>
+            <a:endParaRPr lang="en-US" altLang="en-US" sz="2400"/>
+          </a:p>
+          <a:p>
+            <a:r>
+              <a:rPr lang="en-US" altLang="en-US" sz="2800"/>
+              <a:t>The last node in the list typically points to </a:t>
+            </a:r>
+            <a:r>
+              <a:rPr lang="en-US" altLang="en-US" sz="2800">
+                <a:solidFill>
+                  <a:srgbClr val="C00000"/>
+                </a:solidFill>
+              </a:rPr>
+              <a:t>NULL</a:t>
+            </a:r>
+            <a:r>
+              <a:rPr lang="en-US" altLang="en-US" sz="2800"/>
+              <a:t>, indicating the end of the list.</a:t>
+            </a:r>
+            <a:endParaRPr lang="en-US" altLang="en-US" sz="2800"/>
+          </a:p>
+          <a:p>
+            <a:endParaRPr lang="en-US" altLang="en-US" sz="2800"/>
+          </a:p>
+          <a:p>
+            <a:endParaRPr lang="en-US" altLang="en-US" sz="2800"/>
+          </a:p>
+        </p:txBody>
+      </p:sp>
+    </p:spTree>
+  </p:cSld>
+  <p:clrMapOvr>
+    <a:masterClrMapping/>
+  </p:clrMapOvr>
+</p:sld>
+</file>
+
+<file path=ppt/slides/slide39.xml><?xml version="1.0" encoding="utf-8"?>
+<p:sld xmlns:a="http://schemas.openxmlformats.org/drawingml/2006/main" xmlns:r="http://schemas.openxmlformats.org/officeDocument/2006/relationships" xmlns:p="http://schemas.openxmlformats.org/presentationml/2006/main">
+  <p:cSld>
+    <p:spTree>
+      <p:nvGrpSpPr>
+        <p:cNvPr id="1" name=""/>
+        <p:cNvGrpSpPr/>
+        <p:nvPr/>
+      </p:nvGrpSpPr>
+      <p:grpSpPr/>
+      <p:sp>
+        <p:nvSpPr>
+          <p:cNvPr id="2" name="Title 1"/>
+          <p:cNvSpPr>
+            <a:spLocks noGrp="1"/>
+          </p:cNvSpPr>
+          <p:nvPr>
+            <p:ph type="title"/>
+          </p:nvPr>
+        </p:nvSpPr>
+        <p:spPr/>
+        <p:txBody>
+          <a:bodyPr/>
+          <a:p>
+            <a:r>
+              <a:rPr lang="en-US"/>
+              <a:t>Array VS linked List</a:t>
+            </a:r>
+            <a:endParaRPr lang="en-US"/>
+          </a:p>
+        </p:txBody>
+      </p:sp>
+      <p:graphicFrame>
+        <p:nvGraphicFramePr>
+          <p:cNvPr id="4" name="Content Placeholder 3"/>
+          <p:cNvGraphicFramePr/>
+          <p:nvPr>
+            <p:ph idx="1"/>
+            <p:custDataLst>
+              <p:tags r:id="rId1"/>
+            </p:custDataLst>
+          </p:nvPr>
+        </p:nvGraphicFramePr>
+        <p:xfrm>
+          <a:off x="0" y="1174750"/>
+          <a:ext cx="9144000" cy="2417445"/>
+        </p:xfrm>
+        <a:graphic>
+          <a:graphicData uri="http://schemas.openxmlformats.org/drawingml/2006/table">
+            <a:tbl>
+              <a:tblPr firstRow="1" bandRow="1">
+                <a:tableStyleId>{5C22544A-7EE6-4342-B048-85BDC9FD1C3A}</a:tableStyleId>
+              </a:tblPr>
+              <a:tblGrid>
+                <a:gridCol w="2450465"/>
+                <a:gridCol w="3098800"/>
+                <a:gridCol w="3594735"/>
+              </a:tblGrid>
+              <a:tr h="425450">
+                <a:tc>
+                  <a:txBody>
+                    <a:bodyPr/>
+                    <a:p>
+                      <a:pPr>
+                        <a:buNone/>
+                      </a:pPr>
+                      <a:endParaRPr lang="en-US" sz="2400"/>
+                    </a:p>
+                  </a:txBody>
+                  <a:tcPr/>
+                </a:tc>
+                <a:tc>
+                  <a:txBody>
+                    <a:bodyPr/>
+                    <a:p>
+                      <a:pPr>
+                        <a:buNone/>
+                      </a:pPr>
+                      <a:r>
+                        <a:rPr lang="en-US" sz="2400"/>
+                        <a:t>Array</a:t>
+                      </a:r>
+                      <a:endParaRPr lang="en-US" sz="2400"/>
+                    </a:p>
+                  </a:txBody>
+                  <a:tcPr/>
+                </a:tc>
+                <a:tc>
+                  <a:txBody>
+                    <a:bodyPr/>
+                    <a:p>
+                      <a:pPr>
+                        <a:buNone/>
+                      </a:pPr>
+                      <a:r>
+                        <a:rPr lang="en-US" sz="2400"/>
+                        <a:t>Linked List</a:t>
+                      </a:r>
+                      <a:endParaRPr lang="en-US" sz="2400"/>
+                    </a:p>
+                  </a:txBody>
+                  <a:tcPr/>
+                </a:tc>
+              </a:tr>
+              <a:tr h="425450">
+                <a:tc>
+                  <a:txBody>
+                    <a:bodyPr/>
+                    <a:p>
+                      <a:pPr>
+                        <a:buNone/>
+                      </a:pPr>
+                      <a:r>
+                        <a:rPr lang="en-US" sz="2400" b="1"/>
+                        <a:t>Data Structure</a:t>
+                      </a:r>
+                      <a:endParaRPr lang="en-US" sz="2400" b="1"/>
+                    </a:p>
+                  </a:txBody>
+                  <a:tcPr/>
+                </a:tc>
+                <a:tc>
+                  <a:txBody>
+                    <a:bodyPr/>
+                    <a:p>
+                      <a:pPr>
+                        <a:buNone/>
+                      </a:pPr>
+                      <a:r>
+                        <a:rPr lang="en-US" sz="2400"/>
+                        <a:t>Contigious</a:t>
+                      </a:r>
+                      <a:endParaRPr lang="en-US" sz="2400"/>
+                    </a:p>
+                  </a:txBody>
+                  <a:tcPr/>
+                </a:tc>
+                <a:tc>
+                  <a:txBody>
+                    <a:bodyPr/>
+                    <a:p>
+                      <a:pPr>
+                        <a:buNone/>
+                      </a:pPr>
+                      <a:r>
+                        <a:rPr lang="en-US" sz="2400"/>
+                        <a:t>Non-Contigious</a:t>
+                      </a:r>
+                      <a:endParaRPr lang="en-US" sz="2400"/>
+                    </a:p>
+                  </a:txBody>
+                  <a:tcPr/>
+                </a:tc>
+              </a:tr>
+              <a:tr h="715645">
+                <a:tc>
+                  <a:txBody>
+                    <a:bodyPr/>
+                    <a:p>
+                      <a:pPr>
+                        <a:buNone/>
+                      </a:pPr>
+                      <a:r>
+                        <a:rPr lang="en-US" sz="2400" b="1"/>
+                        <a:t>Memory Allocation</a:t>
+                      </a:r>
+                      <a:endParaRPr lang="en-US" sz="2400" b="1"/>
+                    </a:p>
+                  </a:txBody>
+                  <a:tcPr/>
+                </a:tc>
+                <a:tc>
+                  <a:txBody>
+                    <a:bodyPr/>
+                    <a:p>
+                      <a:pPr>
+                        <a:buNone/>
+                      </a:pPr>
+                      <a:r>
+                        <a:rPr lang="en-US" sz="2400"/>
+                        <a:t>allocated to whole arrary</a:t>
+                      </a:r>
+                      <a:endParaRPr lang="en-US" sz="2400"/>
+                    </a:p>
+                  </a:txBody>
+                  <a:tcPr/>
+                </a:tc>
+                <a:tc>
+                  <a:txBody>
+                    <a:bodyPr/>
+                    <a:p>
+                      <a:pPr>
+                        <a:buNone/>
+                      </a:pPr>
+                      <a:r>
+                        <a:rPr lang="en-US" sz="2400"/>
+                        <a:t>allocated to individual element</a:t>
+                      </a:r>
+                      <a:endParaRPr lang="en-US" sz="2400"/>
+                    </a:p>
+                  </a:txBody>
+                  <a:tcPr/>
+                </a:tc>
+              </a:tr>
+              <a:tr h="425450">
+                <a:tc>
+                  <a:txBody>
+                    <a:bodyPr/>
+                    <a:p>
+                      <a:pPr>
+                        <a:buNone/>
+                      </a:pPr>
+                      <a:r>
+                        <a:rPr lang="en-US" sz="2400" b="1"/>
+                        <a:t>Insertion/ Deletion</a:t>
+                      </a:r>
+                      <a:endParaRPr lang="en-US" sz="2400" b="1"/>
+                    </a:p>
+                  </a:txBody>
+                  <a:tcPr/>
+                </a:tc>
+                <a:tc>
+                  <a:txBody>
+                    <a:bodyPr/>
+                    <a:p>
+                      <a:pPr>
+                        <a:buNone/>
+                      </a:pPr>
+                      <a:r>
+                        <a:rPr lang="en-US" sz="2400"/>
+                        <a:t>Inefficient</a:t>
+                      </a:r>
+                      <a:endParaRPr lang="en-US" sz="2400"/>
+                    </a:p>
+                  </a:txBody>
+                  <a:tcPr/>
+                </a:tc>
+                <a:tc>
+                  <a:txBody>
+                    <a:bodyPr/>
+                    <a:p>
+                      <a:pPr>
+                        <a:buNone/>
+                      </a:pPr>
+                      <a:r>
+                        <a:rPr lang="en-US" sz="2400"/>
+                        <a:t>Efficient</a:t>
+                      </a:r>
+                      <a:endParaRPr lang="en-US" sz="2400"/>
+                    </a:p>
+                  </a:txBody>
+                  <a:tcPr/>
+                </a:tc>
+              </a:tr>
+              <a:tr h="425450">
+                <a:tc>
+                  <a:txBody>
+                    <a:bodyPr/>
+                    <a:p>
+                      <a:pPr>
+                        <a:buNone/>
+                      </a:pPr>
+                      <a:r>
+                        <a:rPr lang="en-US" sz="2400" b="1"/>
+                        <a:t>Access</a:t>
+                      </a:r>
+                      <a:endParaRPr lang="en-US" sz="2400" b="1"/>
+                    </a:p>
+                  </a:txBody>
+                  <a:tcPr/>
+                </a:tc>
+                <a:tc>
+                  <a:txBody>
+                    <a:bodyPr/>
+                    <a:p>
+                      <a:pPr>
+                        <a:buNone/>
+                      </a:pPr>
+                      <a:r>
+                        <a:rPr lang="en-US" sz="2400"/>
+                        <a:t>Random</a:t>
+                      </a:r>
+                      <a:endParaRPr lang="en-US" sz="2400"/>
+                    </a:p>
+                  </a:txBody>
+                  <a:tcPr/>
+                </a:tc>
+                <a:tc>
+                  <a:txBody>
+                    <a:bodyPr/>
+                    <a:p>
+                      <a:pPr>
+                        <a:buNone/>
+                      </a:pPr>
+                      <a:r>
+                        <a:rPr lang="en-US" sz="2400"/>
+                        <a:t>Sequantial</a:t>
+                      </a:r>
+                      <a:endParaRPr lang="en-US" sz="2400"/>
+                    </a:p>
+                  </a:txBody>
+                  <a:tcPr/>
+                </a:tc>
+              </a:tr>
+            </a:tbl>
+          </a:graphicData>
+        </a:graphic>
+      </p:graphicFrame>
+    </p:spTree>
+  </p:cSld>
+  <p:clrMapOvr>
+    <a:masterClrMapping/>
+  </p:clrMapOvr>
+</p:sld>
+</file>
+
 <file path=ppt/slides/slide4.xml><?xml version="1.0" encoding="utf-8"?>
 <p:sld xmlns:a="http://schemas.openxmlformats.org/drawingml/2006/main" xmlns:r="http://schemas.openxmlformats.org/officeDocument/2006/relationships" xmlns:p="http://schemas.openxmlformats.org/presentationml/2006/main">
   <p:cSld>
@@ -5889,7 +7822,15 @@
             </a:r>
             <a:r>
               <a:rPr lang="en-IN" dirty="0" smtClean="0"/>
-              <a:t>enum day(Mon , </a:t>
+              <a:t>enum day</a:t>
+            </a:r>
+            <a:r>
+              <a:rPr lang="en-US" altLang="en-IN" dirty="0" smtClean="0"/>
+              <a:t> { </a:t>
+            </a:r>
+            <a:r>
+              <a:rPr lang="en-IN" dirty="0" smtClean="0"/>
+              <a:t>Mon , </a:t>
             </a:r>
             <a:r>
               <a:rPr lang="en-IN" dirty="0"/>
@@ -5897,7 +7838,11 @@
             </a:r>
             <a:r>
               <a:rPr lang="en-IN" dirty="0" smtClean="0"/>
-              <a:t>ue ,wed ,Thu ,Fri ,Sat , Sun)</a:t>
+              <a:t>ue ,wed ,Thu ,Fri ,Sat , Sun</a:t>
+            </a:r>
+            <a:r>
+              <a:rPr lang="en-US" altLang="en-IN" dirty="0" smtClean="0"/>
+              <a:t> }</a:t>
             </a:r>
             <a:endParaRPr lang="en-IN" dirty="0" smtClean="0"/>
           </a:p>
@@ -5923,6 +7868,423 @@
           </a:p>
         </p:txBody>
       </p:sp>
+    </p:spTree>
+  </p:cSld>
+  <p:clrMapOvr>
+    <a:masterClrMapping/>
+  </p:clrMapOvr>
+</p:sld>
+</file>
+
+<file path=ppt/slides/slide40.xml><?xml version="1.0" encoding="utf-8"?>
+<p:sld xmlns:a="http://schemas.openxmlformats.org/drawingml/2006/main" xmlns:r="http://schemas.openxmlformats.org/officeDocument/2006/relationships" xmlns:p="http://schemas.openxmlformats.org/presentationml/2006/main">
+  <p:cSld>
+    <p:spTree>
+      <p:nvGrpSpPr>
+        <p:cNvPr id="1" name=""/>
+        <p:cNvGrpSpPr/>
+        <p:nvPr/>
+      </p:nvGrpSpPr>
+      <p:grpSpPr/>
+      <p:sp>
+        <p:nvSpPr>
+          <p:cNvPr id="2" name="Title 1"/>
+          <p:cNvSpPr>
+            <a:spLocks noGrp="1"/>
+          </p:cNvSpPr>
+          <p:nvPr>
+            <p:ph type="title"/>
+          </p:nvPr>
+        </p:nvSpPr>
+        <p:spPr/>
+        <p:txBody>
+          <a:bodyPr/>
+          <a:p>
+            <a:r>
+              <a:rPr lang="en-US" altLang="en-US">
+                <a:sym typeface="+mn-ea"/>
+              </a:rPr>
+              <a:t>Operations on Singly Linked List</a:t>
+            </a:r>
+            <a:endParaRPr lang="en-US"/>
+          </a:p>
+        </p:txBody>
+      </p:sp>
+      <p:sp>
+        <p:nvSpPr>
+          <p:cNvPr id="3" name="Content Placeholder 2"/>
+          <p:cNvSpPr>
+            <a:spLocks noGrp="1"/>
+          </p:cNvSpPr>
+          <p:nvPr>
+            <p:ph idx="1"/>
+          </p:nvPr>
+        </p:nvSpPr>
+        <p:spPr>
+          <a:xfrm>
+            <a:off x="457200" y="883920"/>
+            <a:ext cx="8229600" cy="5701665"/>
+          </a:xfrm>
+        </p:spPr>
+        <p:txBody>
+          <a:bodyPr/>
+          <a:p>
+            <a:r>
+              <a:rPr lang="en-US" altLang="en-US"/>
+              <a:t>Traversal</a:t>
+            </a:r>
+            <a:endParaRPr lang="en-US" altLang="en-US"/>
+          </a:p>
+          <a:p>
+            <a:r>
+              <a:rPr lang="en-US" altLang="en-US"/>
+              <a:t>Searching</a:t>
+            </a:r>
+            <a:endParaRPr lang="en-US" altLang="en-US"/>
+          </a:p>
+          <a:p>
+            <a:r>
+              <a:rPr lang="en-US" altLang="en-US"/>
+              <a:t>Length</a:t>
+            </a:r>
+            <a:endParaRPr lang="en-US" altLang="en-US"/>
+          </a:p>
+          <a:p>
+            <a:r>
+              <a:rPr lang="en-US" altLang="en-US"/>
+              <a:t>Insertion:</a:t>
+            </a:r>
+            <a:endParaRPr lang="en-US" altLang="en-US"/>
+          </a:p>
+          <a:p>
+            <a:pPr lvl="2"/>
+            <a:r>
+              <a:rPr lang="en-US" altLang="en-US"/>
+              <a:t>Insert at the beginning</a:t>
+            </a:r>
+            <a:endParaRPr lang="en-US" altLang="en-US"/>
+          </a:p>
+          <a:p>
+            <a:pPr lvl="2"/>
+            <a:r>
+              <a:rPr lang="en-US" altLang="en-US"/>
+              <a:t>Insert at the end</a:t>
+            </a:r>
+            <a:endParaRPr lang="en-US" altLang="en-US"/>
+          </a:p>
+          <a:p>
+            <a:pPr lvl="2"/>
+            <a:r>
+              <a:rPr lang="en-US" altLang="en-US"/>
+              <a:t>Insert at a specific position</a:t>
+            </a:r>
+            <a:endParaRPr lang="en-US" altLang="en-US"/>
+          </a:p>
+          <a:p>
+            <a:r>
+              <a:rPr lang="en-US" altLang="en-US"/>
+              <a:t>Deletion:</a:t>
+            </a:r>
+            <a:endParaRPr lang="en-US" altLang="en-US"/>
+          </a:p>
+          <a:p>
+            <a:pPr lvl="2"/>
+            <a:r>
+              <a:rPr lang="en-US" altLang="en-US"/>
+              <a:t>Delete from the beginning</a:t>
+            </a:r>
+            <a:endParaRPr lang="en-US" altLang="en-US"/>
+          </a:p>
+          <a:p>
+            <a:pPr lvl="2"/>
+            <a:r>
+              <a:rPr lang="en-US" altLang="en-US"/>
+              <a:t>Delete from the end</a:t>
+            </a:r>
+            <a:endParaRPr lang="en-US" altLang="en-US"/>
+          </a:p>
+          <a:p>
+            <a:pPr lvl="2"/>
+            <a:r>
+              <a:rPr lang="en-US" altLang="en-US"/>
+              <a:t>Delete a specific node</a:t>
+            </a:r>
+            <a:endParaRPr lang="en-US" altLang="en-US"/>
+          </a:p>
+        </p:txBody>
+      </p:sp>
+    </p:spTree>
+  </p:cSld>
+  <p:clrMapOvr>
+    <a:masterClrMapping/>
+  </p:clrMapOvr>
+</p:sld>
+</file>
+
+<file path=ppt/slides/slide41.xml><?xml version="1.0" encoding="utf-8"?>
+<p:sld xmlns:a="http://schemas.openxmlformats.org/drawingml/2006/main" xmlns:r="http://schemas.openxmlformats.org/officeDocument/2006/relationships" xmlns:p="http://schemas.openxmlformats.org/presentationml/2006/main">
+  <p:cSld>
+    <p:spTree>
+      <p:nvGrpSpPr>
+        <p:cNvPr id="1" name=""/>
+        <p:cNvGrpSpPr/>
+        <p:nvPr/>
+      </p:nvGrpSpPr>
+      <p:grpSpPr/>
+      <p:sp>
+        <p:nvSpPr>
+          <p:cNvPr id="2" name="Title 1"/>
+          <p:cNvSpPr>
+            <a:spLocks noGrp="1"/>
+          </p:cNvSpPr>
+          <p:nvPr>
+            <p:ph type="title"/>
+          </p:nvPr>
+        </p:nvSpPr>
+        <p:spPr/>
+        <p:txBody>
+          <a:bodyPr/>
+          <a:p>
+            <a:r>
+              <a:rPr lang="en-US">
+                <a:gradFill>
+                  <a:gsLst>
+                    <a:gs pos="0">
+                      <a:srgbClr val="14CD68"/>
+                    </a:gs>
+                    <a:gs pos="100000">
+                      <a:srgbClr val="0B6E38"/>
+                    </a:gs>
+                  </a:gsLst>
+                  <a:lin scaled="0"/>
+                </a:gradFill>
+              </a:rPr>
+              <a:t>Singly Linked List</a:t>
+            </a:r>
+            <a:endParaRPr lang="en-US">
+              <a:gradFill>
+                <a:gsLst>
+                  <a:gs pos="0">
+                    <a:srgbClr val="14CD68"/>
+                  </a:gs>
+                  <a:gs pos="100000">
+                    <a:srgbClr val="0B6E38"/>
+                  </a:gs>
+                </a:gsLst>
+                <a:lin scaled="0"/>
+              </a:gradFill>
+            </a:endParaRPr>
+          </a:p>
+        </p:txBody>
+      </p:sp>
+      <p:pic>
+        <p:nvPicPr>
+          <p:cNvPr id="4" name="Content Placeholder 3"/>
+          <p:cNvPicPr>
+            <a:picLocks noChangeAspect="1"/>
+          </p:cNvPicPr>
+          <p:nvPr>
+            <p:ph idx="1"/>
+          </p:nvPr>
+        </p:nvPicPr>
+        <p:blipFill>
+          <a:blip r:embed="rId1"/>
+          <a:stretch>
+            <a:fillRect/>
+          </a:stretch>
+        </p:blipFill>
+        <p:spPr>
+          <a:xfrm>
+            <a:off x="3285490" y="632460"/>
+            <a:ext cx="5868670" cy="1931035"/>
+          </a:xfrm>
+          <a:prstGeom prst="rect">
+            <a:avLst/>
+          </a:prstGeom>
+        </p:spPr>
+      </p:pic>
+      <p:sp>
+        <p:nvSpPr>
+          <p:cNvPr id="6" name="Text Box 5"/>
+          <p:cNvSpPr txBox="1"/>
+          <p:nvPr/>
+        </p:nvSpPr>
+        <p:spPr>
+          <a:xfrm>
+            <a:off x="374650" y="2556510"/>
+            <a:ext cx="7245350" cy="3969385"/>
+          </a:xfrm>
+          <a:prstGeom prst="rect">
+            <a:avLst/>
+          </a:prstGeom>
+          <a:noFill/>
+        </p:spPr>
+        <p:txBody>
+          <a:bodyPr wrap="square" rtlCol="0">
+            <a:spAutoFit/>
+          </a:bodyPr>
+          <a:p>
+            <a:r>
+              <a:rPr lang="en-US" altLang="en-US"/>
+              <a:t>// Definition of a Node in a singly linked list</a:t>
+            </a:r>
+            <a:endParaRPr lang="en-US" altLang="en-US"/>
+          </a:p>
+          <a:p>
+            <a:r>
+              <a:rPr lang="en-US" altLang="en-US"/>
+              <a:t>struct Node {</a:t>
+            </a:r>
+            <a:endParaRPr lang="en-US" altLang="en-US"/>
+          </a:p>
+          <a:p>
+            <a:r>
+              <a:rPr lang="en-US" altLang="en-US"/>
+              <a:t>    int data;          </a:t>
+            </a:r>
+            <a:endParaRPr lang="en-US" altLang="en-US"/>
+          </a:p>
+          <a:p>
+            <a:r>
+              <a:rPr lang="en-US" altLang="en-US"/>
+              <a:t>    struct Node* next;</a:t>
+            </a:r>
+            <a:endParaRPr lang="en-US" altLang="en-US"/>
+          </a:p>
+          <a:p>
+            <a:r>
+              <a:rPr lang="en-US" altLang="en-US"/>
+              <a:t>};</a:t>
+            </a:r>
+            <a:endParaRPr lang="en-US" altLang="en-US"/>
+          </a:p>
+          <a:p>
+            <a:endParaRPr lang="en-US" altLang="en-US"/>
+          </a:p>
+          <a:p>
+            <a:r>
+              <a:rPr lang="en-US" altLang="en-US"/>
+              <a:t>// Function to create a new Node</a:t>
+            </a:r>
+            <a:endParaRPr lang="en-US" altLang="en-US"/>
+          </a:p>
+          <a:p>
+            <a:r>
+              <a:rPr lang="en-US" altLang="en-US"/>
+              <a:t>struct Node* newNode(int data) {</a:t>
+            </a:r>
+            <a:endParaRPr lang="en-US" altLang="en-US"/>
+          </a:p>
+          <a:p>
+            <a:r>
+              <a:rPr lang="en-US" altLang="en-US"/>
+              <a:t>    struct Node* temp = </a:t>
+            </a:r>
+            <a:endParaRPr lang="en-US" altLang="en-US"/>
+          </a:p>
+          <a:p>
+            <a:r>
+              <a:rPr lang="en-US" altLang="en-US"/>
+              <a:t>      (struct Node*)malloc(sizeof(struct Node));</a:t>
+            </a:r>
+            <a:endParaRPr lang="en-US" altLang="en-US"/>
+          </a:p>
+          <a:p>
+            <a:r>
+              <a:rPr lang="en-US" altLang="en-US"/>
+              <a:t>    temp-&gt;data = data;</a:t>
+            </a:r>
+            <a:endParaRPr lang="en-US" altLang="en-US"/>
+          </a:p>
+          <a:p>
+            <a:r>
+              <a:rPr lang="en-US" altLang="en-US"/>
+              <a:t>    temp-&gt;next = NULL;</a:t>
+            </a:r>
+            <a:endParaRPr lang="en-US" altLang="en-US"/>
+          </a:p>
+          <a:p>
+            <a:r>
+              <a:rPr lang="en-US" altLang="en-US"/>
+              <a:t>    return temp;</a:t>
+            </a:r>
+            <a:endParaRPr lang="en-US" altLang="en-US"/>
+          </a:p>
+          <a:p>
+            <a:r>
+              <a:rPr lang="en-US" altLang="en-US"/>
+              <a:t>}</a:t>
+            </a:r>
+            <a:endParaRPr lang="en-US" altLang="en-US"/>
+          </a:p>
+        </p:txBody>
+      </p:sp>
+    </p:spTree>
+  </p:cSld>
+  <p:clrMapOvr>
+    <a:masterClrMapping/>
+  </p:clrMapOvr>
+</p:sld>
+</file>
+
+<file path=ppt/slides/slide42.xml><?xml version="1.0" encoding="utf-8"?>
+<p:sld xmlns:a="http://schemas.openxmlformats.org/drawingml/2006/main" xmlns:r="http://schemas.openxmlformats.org/officeDocument/2006/relationships" xmlns:p="http://schemas.openxmlformats.org/presentationml/2006/main">
+  <p:cSld>
+    <p:spTree>
+      <p:nvGrpSpPr>
+        <p:cNvPr id="1" name=""/>
+        <p:cNvGrpSpPr/>
+        <p:nvPr/>
+      </p:nvGrpSpPr>
+      <p:grpSpPr/>
+      <p:sp>
+        <p:nvSpPr>
+          <p:cNvPr id="2" name="Title 1"/>
+          <p:cNvSpPr>
+            <a:spLocks noGrp="1"/>
+          </p:cNvSpPr>
+          <p:nvPr>
+            <p:ph type="title"/>
+          </p:nvPr>
+        </p:nvSpPr>
+        <p:spPr/>
+        <p:txBody>
+          <a:bodyPr/>
+          <a:p>
+            <a:r>
+              <a:rPr lang="en-US" altLang="en-US"/>
+              <a:t>Insertion at Beginning</a:t>
+            </a:r>
+            <a:endParaRPr lang="en-US" altLang="en-US"/>
+          </a:p>
+        </p:txBody>
+      </p:sp>
+      <p:pic>
+        <p:nvPicPr>
+          <p:cNvPr id="4" name="Content Placeholder 3"/>
+          <p:cNvPicPr>
+            <a:picLocks noChangeAspect="1"/>
+          </p:cNvPicPr>
+          <p:nvPr>
+            <p:ph idx="1"/>
+          </p:nvPr>
+        </p:nvPicPr>
+        <p:blipFill>
+          <a:blip r:embed="rId1"/>
+          <a:stretch>
+            <a:fillRect/>
+          </a:stretch>
+        </p:blipFill>
+        <p:spPr>
+          <a:xfrm>
+            <a:off x="412750" y="779780"/>
+            <a:ext cx="8458835" cy="3359785"/>
+          </a:xfrm>
+          <a:prstGeom prst="rect">
+            <a:avLst/>
+          </a:prstGeom>
+        </p:spPr>
+      </p:pic>
     </p:spTree>
   </p:cSld>
   <p:clrMapOvr>
@@ -5955,6 +8317,10 @@
         <p:txBody>
           <a:bodyPr/>
           <a:p>
+            <a:r>
+              <a:rPr lang="en-US"/>
+              <a:t>find mistake.</a:t>
+            </a:r>
             <a:endParaRPr lang="en-US"/>
           </a:p>
         </p:txBody>
@@ -6511,21 +8877,76 @@
           <a:p>
             <a:r>
               <a:rPr lang="en-US" altLang="en-US" sz="2200"/>
-              <a:t>struct  structure_name {</a:t>
+              <a:t>struct  </a:t>
+            </a:r>
+            <a:r>
+              <a:rPr lang="en-US" altLang="en-US" sz="2200">
+                <a:gradFill>
+                  <a:gsLst>
+                    <a:gs pos="0">
+                      <a:srgbClr val="FECF40"/>
+                    </a:gs>
+                    <a:gs pos="100000">
+                      <a:srgbClr val="846C21"/>
+                    </a:gs>
+                  </a:gsLst>
+                  <a:lin scaled="0"/>
+                </a:gradFill>
+              </a:rPr>
+              <a:t>structure_name</a:t>
+            </a:r>
+            <a:r>
+              <a:rPr lang="en-US" altLang="en-US" sz="2200"/>
+              <a:t> </a:t>
+            </a:r>
+            <a:br>
+              <a:rPr lang="en-US" altLang="en-US" sz="2200"/>
+            </a:br>
+            <a:r>
+              <a:rPr lang="en-US" altLang="en-US" sz="2200"/>
+              <a:t>{</a:t>
             </a:r>
             <a:endParaRPr lang="en-US" altLang="en-US" sz="2200"/>
           </a:p>
           <a:p>
             <a:r>
               <a:rPr lang="en-US" altLang="en-US" sz="2200"/>
-              <a:t>    data_type member_name1;</a:t>
+              <a:t>    </a:t>
+            </a:r>
+            <a:r>
+              <a:rPr lang="en-US" altLang="en-US" sz="2200">
+                <a:solidFill>
+                  <a:schemeClr val="accent5">
+                    <a:lumMod val="75000"/>
+                  </a:schemeClr>
+                </a:solidFill>
+              </a:rPr>
+              <a:t>data_type</a:t>
+            </a:r>
+            <a:r>
+              <a:rPr lang="en-US" altLang="en-US" sz="2200"/>
+              <a:t> member_name1;</a:t>
             </a:r>
             <a:endParaRPr lang="en-US" altLang="en-US" sz="2200"/>
           </a:p>
           <a:p>
             <a:r>
               <a:rPr lang="en-US" altLang="en-US" sz="2200"/>
-              <a:t>    data_type member_name1;</a:t>
+              <a:t>    </a:t>
+            </a:r>
+            <a:r>
+              <a:rPr lang="en-US" altLang="en-US" sz="2200">
+                <a:solidFill>
+                  <a:schemeClr val="accent5">
+                    <a:lumMod val="75000"/>
+                  </a:schemeClr>
+                </a:solidFill>
+              </a:rPr>
+              <a:t>data_type</a:t>
+            </a:r>
+            <a:r>
+              <a:rPr lang="en-US" altLang="en-US" sz="2200"/>
+              <a:t> member_name1;</a:t>
             </a:r>
             <a:endParaRPr lang="en-US" altLang="en-US" sz="2200"/>
           </a:p>
@@ -6558,6 +8979,13 @@
     <a:masterClrMapping/>
   </p:clrMapOvr>
 </p:sld>
+</file>
+
+<file path=ppt/tags/tag1.xml><?xml version="1.0" encoding="utf-8"?>
+<p:tagLst xmlns:p="http://schemas.openxmlformats.org/presentationml/2006/main">
+  <p:tag name="TABLE_ENDDRAG_ORIGIN_RECT" val="684*177"/>
+  <p:tag name="TABLE_ENDDRAG_RECT" val="0*92*684*177"/>
+</p:tagLst>
 </file>
 
 <file path=ppt/theme/theme1.xml><?xml version="1.0" encoding="utf-8"?>
